--- a/Storyboard.pptx
+++ b/Storyboard.pptx
@@ -12,6 +12,9 @@
     <p:sldId id="262" r:id="rId6"/>
     <p:sldId id="260" r:id="rId7"/>
     <p:sldId id="261" r:id="rId8"/>
+    <p:sldId id="263" r:id="rId9"/>
+    <p:sldId id="264" r:id="rId10"/>
+    <p:sldId id="265" r:id="rId11"/>
   </p:sldIdLst>
   <p:sldSz cx="12192000" cy="6858000"/>
   <p:notesSz cx="6858000" cy="9144000"/>
@@ -110,6 +113,11 @@
       </a:defRPr>
     </a:lvl9pPr>
   </p:defaultTextStyle>
+  <p:extLst>
+    <p:ext uri="{EFAFB233-063F-42B5-8137-9DF3F51BA10A}">
+      <p15:sldGuideLst xmlns:p15="http://schemas.microsoft.com/office/powerpoint/2012/main"/>
+    </p:ext>
+  </p:extLst>
 </p:presentation>
 </file>
 
@@ -155,7 +163,7 @@
           </a:lstStyle>
           <a:p>
             <a:r>
-              <a:rPr lang="en-US" smtClean="0"/>
+              <a:rPr lang="en-US"/>
               <a:t>Click to edit Master title style</a:t>
             </a:r>
             <a:endParaRPr lang="en-US" dirty="0"/>
@@ -275,7 +283,7 @@
           </a:lstStyle>
           <a:p>
             <a:r>
-              <a:rPr lang="en-US" smtClean="0"/>
+              <a:rPr lang="en-US"/>
               <a:t>Click to edit Master subtitle style</a:t>
             </a:r>
             <a:endParaRPr lang="en-US" dirty="0"/>
@@ -299,7 +307,7 @@
           <a:p>
             <a:fld id="{B1B8C669-0F19-48BF-96F0-8013056EBD1A}" type="datetimeFigureOut">
               <a:rPr lang="en-GB" smtClean="0"/>
-              <a:t>04/04/2019</a:t>
+              <a:t>07/04/2019</a:t>
             </a:fld>
             <a:endParaRPr lang="en-GB"/>
           </a:p>
@@ -404,7 +412,7 @@
           </a:lstStyle>
           <a:p>
             <a:r>
-              <a:rPr lang="en-US" smtClean="0"/>
+              <a:rPr lang="en-US"/>
               <a:t>Click to edit Master title style</a:t>
             </a:r>
             <a:endParaRPr lang="en-US" dirty="0"/>
@@ -483,7 +491,7 @@
           </a:lstStyle>
           <a:p>
             <a:r>
-              <a:rPr lang="en-US" smtClean="0"/>
+              <a:rPr lang="en-US"/>
               <a:t>Click icon to add picture</a:t>
             </a:r>
             <a:endParaRPr lang="en-US" dirty="0"/>
@@ -551,7 +559,7 @@
           <a:p>
             <a:pPr lvl="0"/>
             <a:r>
-              <a:rPr lang="en-US" smtClean="0"/>
+              <a:rPr lang="en-US"/>
               <a:t>Edit Master text styles</a:t>
             </a:r>
           </a:p>
@@ -574,7 +582,7 @@
           <a:p>
             <a:fld id="{B1B8C669-0F19-48BF-96F0-8013056EBD1A}" type="datetimeFigureOut">
               <a:rPr lang="en-GB" smtClean="0"/>
-              <a:t>04/04/2019</a:t>
+              <a:t>07/04/2019</a:t>
             </a:fld>
             <a:endParaRPr lang="en-GB"/>
           </a:p>
@@ -677,7 +685,7 @@
           </a:lstStyle>
           <a:p>
             <a:r>
-              <a:rPr lang="en-US" smtClean="0"/>
+              <a:rPr lang="en-US"/>
               <a:t>Click to edit Master title style</a:t>
             </a:r>
             <a:endParaRPr lang="en-US" dirty="0"/>
@@ -745,7 +753,7 @@
           <a:p>
             <a:pPr lvl="0"/>
             <a:r>
-              <a:rPr lang="en-US" smtClean="0"/>
+              <a:rPr lang="en-US"/>
               <a:t>Edit Master text styles</a:t>
             </a:r>
           </a:p>
@@ -768,7 +776,7 @@
           <a:p>
             <a:fld id="{B1B8C669-0F19-48BF-96F0-8013056EBD1A}" type="datetimeFigureOut">
               <a:rPr lang="en-GB" smtClean="0"/>
-              <a:t>04/04/2019</a:t>
+              <a:t>07/04/2019</a:t>
             </a:fld>
             <a:endParaRPr lang="en-GB"/>
           </a:p>
@@ -871,7 +879,7 @@
           </a:lstStyle>
           <a:p>
             <a:r>
-              <a:rPr lang="en-US" smtClean="0"/>
+              <a:rPr lang="en-US"/>
               <a:t>Click to edit Master title style</a:t>
             </a:r>
             <a:endParaRPr lang="en-US" dirty="0"/>
@@ -951,7 +959,7 @@
               <a:buNone/>
             </a:pPr>
             <a:r>
-              <a:rPr lang="en-US" smtClean="0"/>
+              <a:rPr lang="en-US"/>
               <a:t>Edit Master text styles</a:t>
             </a:r>
           </a:p>
@@ -1018,7 +1026,7 @@
           <a:p>
             <a:pPr lvl="0"/>
             <a:r>
-              <a:rPr lang="en-US" smtClean="0"/>
+              <a:rPr lang="en-US"/>
               <a:t>Edit Master text styles</a:t>
             </a:r>
           </a:p>
@@ -1041,7 +1049,7 @@
           <a:p>
             <a:fld id="{B1B8C669-0F19-48BF-96F0-8013056EBD1A}" type="datetimeFigureOut">
               <a:rPr lang="en-GB" smtClean="0"/>
-              <a:t>04/04/2019</a:t>
+              <a:t>07/04/2019</a:t>
             </a:fld>
             <a:endParaRPr lang="en-GB"/>
           </a:p>
@@ -1238,7 +1246,7 @@
           </a:lstStyle>
           <a:p>
             <a:r>
-              <a:rPr lang="en-US" smtClean="0"/>
+              <a:rPr lang="en-US"/>
               <a:t>Click to edit Master title style</a:t>
             </a:r>
             <a:endParaRPr lang="en-US" dirty="0"/>
@@ -1359,7 +1367,7 @@
           <a:p>
             <a:pPr lvl="0"/>
             <a:r>
-              <a:rPr lang="en-US" smtClean="0"/>
+              <a:rPr lang="en-US"/>
               <a:t>Edit Master text styles</a:t>
             </a:r>
           </a:p>
@@ -1382,7 +1390,7 @@
           <a:p>
             <a:fld id="{B1B8C669-0F19-48BF-96F0-8013056EBD1A}" type="datetimeFigureOut">
               <a:rPr lang="en-GB" smtClean="0"/>
-              <a:t>04/04/2019</a:t>
+              <a:t>07/04/2019</a:t>
             </a:fld>
             <a:endParaRPr lang="en-GB"/>
           </a:p>
@@ -1480,7 +1488,7 @@
           </a:lstStyle>
           <a:p>
             <a:r>
-              <a:rPr lang="en-US" smtClean="0"/>
+              <a:rPr lang="en-US"/>
               <a:t>Click to edit Master title style</a:t>
             </a:r>
             <a:endParaRPr lang="en-US" dirty="0"/>
@@ -1555,7 +1563,7 @@
           <a:p>
             <a:pPr lvl="0"/>
             <a:r>
-              <a:rPr lang="en-US" smtClean="0"/>
+              <a:rPr lang="en-US"/>
               <a:t>Edit Master text styles</a:t>
             </a:r>
           </a:p>
@@ -1622,7 +1630,7 @@
           <a:p>
             <a:pPr lvl="0"/>
             <a:r>
-              <a:rPr lang="en-US" smtClean="0"/>
+              <a:rPr lang="en-US"/>
               <a:t>Edit Master text styles</a:t>
             </a:r>
           </a:p>
@@ -1696,7 +1704,7 @@
           <a:p>
             <a:pPr lvl="0"/>
             <a:r>
-              <a:rPr lang="en-US" smtClean="0"/>
+              <a:rPr lang="en-US"/>
               <a:t>Edit Master text styles</a:t>
             </a:r>
           </a:p>
@@ -1763,7 +1771,7 @@
           <a:p>
             <a:pPr lvl="0"/>
             <a:r>
-              <a:rPr lang="en-US" smtClean="0"/>
+              <a:rPr lang="en-US"/>
               <a:t>Edit Master text styles</a:t>
             </a:r>
           </a:p>
@@ -1837,7 +1845,7 @@
           <a:p>
             <a:pPr lvl="0"/>
             <a:r>
-              <a:rPr lang="en-US" smtClean="0"/>
+              <a:rPr lang="en-US"/>
               <a:t>Edit Master text styles</a:t>
             </a:r>
           </a:p>
@@ -1904,7 +1912,7 @@
           <a:p>
             <a:pPr lvl="0"/>
             <a:r>
-              <a:rPr lang="en-US" smtClean="0"/>
+              <a:rPr lang="en-US"/>
               <a:t>Edit Master text styles</a:t>
             </a:r>
           </a:p>
@@ -2005,7 +2013,7 @@
           <a:p>
             <a:fld id="{B1B8C669-0F19-48BF-96F0-8013056EBD1A}" type="datetimeFigureOut">
               <a:rPr lang="en-GB" smtClean="0"/>
-              <a:t>04/04/2019</a:t>
+              <a:t>07/04/2019</a:t>
             </a:fld>
             <a:endParaRPr lang="en-GB"/>
           </a:p>
@@ -2103,7 +2111,7 @@
           </a:lstStyle>
           <a:p>
             <a:r>
-              <a:rPr lang="en-US" smtClean="0"/>
+              <a:rPr lang="en-US"/>
               <a:t>Click to edit Master title style</a:t>
             </a:r>
             <a:endParaRPr lang="en-US" dirty="0"/>
@@ -2178,7 +2186,7 @@
           <a:p>
             <a:pPr lvl="0"/>
             <a:r>
-              <a:rPr lang="en-US" smtClean="0"/>
+              <a:rPr lang="en-US"/>
               <a:t>Edit Master text styles</a:t>
             </a:r>
           </a:p>
@@ -2256,7 +2264,7 @@
           </a:lstStyle>
           <a:p>
             <a:r>
-              <a:rPr lang="en-US" smtClean="0"/>
+              <a:rPr lang="en-US"/>
               <a:t>Click icon to add picture</a:t>
             </a:r>
             <a:endParaRPr lang="en-US" dirty="0"/>
@@ -2324,7 +2332,7 @@
           <a:p>
             <a:pPr lvl="0"/>
             <a:r>
-              <a:rPr lang="en-US" smtClean="0"/>
+              <a:rPr lang="en-US"/>
               <a:t>Edit Master text styles</a:t>
             </a:r>
           </a:p>
@@ -2398,7 +2406,7 @@
           <a:p>
             <a:pPr lvl="0"/>
             <a:r>
-              <a:rPr lang="en-US" smtClean="0"/>
+              <a:rPr lang="en-US"/>
               <a:t>Edit Master text styles</a:t>
             </a:r>
           </a:p>
@@ -2476,7 +2484,7 @@
           </a:lstStyle>
           <a:p>
             <a:r>
-              <a:rPr lang="en-US" smtClean="0"/>
+              <a:rPr lang="en-US"/>
               <a:t>Click icon to add picture</a:t>
             </a:r>
             <a:endParaRPr lang="en-US" dirty="0"/>
@@ -2544,7 +2552,7 @@
           <a:p>
             <a:pPr lvl="0"/>
             <a:r>
-              <a:rPr lang="en-US" smtClean="0"/>
+              <a:rPr lang="en-US"/>
               <a:t>Edit Master text styles</a:t>
             </a:r>
           </a:p>
@@ -2618,7 +2626,7 @@
           <a:p>
             <a:pPr lvl="0"/>
             <a:r>
-              <a:rPr lang="en-US" smtClean="0"/>
+              <a:rPr lang="en-US"/>
               <a:t>Edit Master text styles</a:t>
             </a:r>
           </a:p>
@@ -2696,7 +2704,7 @@
           </a:lstStyle>
           <a:p>
             <a:r>
-              <a:rPr lang="en-US" smtClean="0"/>
+              <a:rPr lang="en-US"/>
               <a:t>Click icon to add picture</a:t>
             </a:r>
             <a:endParaRPr lang="en-US" dirty="0"/>
@@ -2764,7 +2772,7 @@
           <a:p>
             <a:pPr lvl="0"/>
             <a:r>
-              <a:rPr lang="en-US" smtClean="0"/>
+              <a:rPr lang="en-US"/>
               <a:t>Edit Master text styles</a:t>
             </a:r>
           </a:p>
@@ -2865,7 +2873,7 @@
           <a:p>
             <a:fld id="{B1B8C669-0F19-48BF-96F0-8013056EBD1A}" type="datetimeFigureOut">
               <a:rPr lang="en-GB" smtClean="0"/>
-              <a:t>04/04/2019</a:t>
+              <a:t>07/04/2019</a:t>
             </a:fld>
             <a:endParaRPr lang="en-GB"/>
           </a:p>
@@ -2959,7 +2967,7 @@
           <a:lstStyle/>
           <a:p>
             <a:r>
-              <a:rPr lang="en-US" smtClean="0"/>
+              <a:rPr lang="en-US"/>
               <a:t>Click to edit Master title style</a:t>
             </a:r>
             <a:endParaRPr lang="en-US" dirty="0"/>
@@ -2983,35 +2991,35 @@
           <a:p>
             <a:pPr lvl="0"/>
             <a:r>
-              <a:rPr lang="en-US" smtClean="0"/>
+              <a:rPr lang="en-US"/>
               <a:t>Edit Master text styles</a:t>
             </a:r>
           </a:p>
           <a:p>
             <a:pPr lvl="1"/>
             <a:r>
-              <a:rPr lang="en-US" smtClean="0"/>
+              <a:rPr lang="en-US"/>
               <a:t>Second level</a:t>
             </a:r>
           </a:p>
           <a:p>
             <a:pPr lvl="2"/>
             <a:r>
-              <a:rPr lang="en-US" smtClean="0"/>
+              <a:rPr lang="en-US"/>
               <a:t>Third level</a:t>
             </a:r>
           </a:p>
           <a:p>
             <a:pPr lvl="3"/>
             <a:r>
-              <a:rPr lang="en-US" smtClean="0"/>
+              <a:rPr lang="en-US"/>
               <a:t>Fourth level</a:t>
             </a:r>
           </a:p>
           <a:p>
             <a:pPr lvl="4"/>
             <a:r>
-              <a:rPr lang="en-US" smtClean="0"/>
+              <a:rPr lang="en-US"/>
               <a:t>Fifth level</a:t>
             </a:r>
             <a:endParaRPr lang="en-US" dirty="0"/>
@@ -3035,7 +3043,7 @@
           <a:p>
             <a:fld id="{B1B8C669-0F19-48BF-96F0-8013056EBD1A}" type="datetimeFigureOut">
               <a:rPr lang="en-GB" smtClean="0"/>
-              <a:t>04/04/2019</a:t>
+              <a:t>07/04/2019</a:t>
             </a:fld>
             <a:endParaRPr lang="en-GB"/>
           </a:p>
@@ -3134,7 +3142,7 @@
           <a:lstStyle/>
           <a:p>
             <a:r>
-              <a:rPr lang="en-US" smtClean="0"/>
+              <a:rPr lang="en-US"/>
               <a:t>Click to edit Master title style</a:t>
             </a:r>
             <a:endParaRPr lang="en-US" dirty="0"/>
@@ -3163,35 +3171,35 @@
           <a:p>
             <a:pPr lvl="0"/>
             <a:r>
-              <a:rPr lang="en-US" smtClean="0"/>
+              <a:rPr lang="en-US"/>
               <a:t>Edit Master text styles</a:t>
             </a:r>
           </a:p>
           <a:p>
             <a:pPr lvl="1"/>
             <a:r>
-              <a:rPr lang="en-US" smtClean="0"/>
+              <a:rPr lang="en-US"/>
               <a:t>Second level</a:t>
             </a:r>
           </a:p>
           <a:p>
             <a:pPr lvl="2"/>
             <a:r>
-              <a:rPr lang="en-US" smtClean="0"/>
+              <a:rPr lang="en-US"/>
               <a:t>Third level</a:t>
             </a:r>
           </a:p>
           <a:p>
             <a:pPr lvl="3"/>
             <a:r>
-              <a:rPr lang="en-US" smtClean="0"/>
+              <a:rPr lang="en-US"/>
               <a:t>Fourth level</a:t>
             </a:r>
           </a:p>
           <a:p>
             <a:pPr lvl="4"/>
             <a:r>
-              <a:rPr lang="en-US" smtClean="0"/>
+              <a:rPr lang="en-US"/>
               <a:t>Fifth level</a:t>
             </a:r>
             <a:endParaRPr lang="en-US" dirty="0"/>
@@ -3215,7 +3223,7 @@
           <a:p>
             <a:fld id="{B1B8C669-0F19-48BF-96F0-8013056EBD1A}" type="datetimeFigureOut">
               <a:rPr lang="en-GB" smtClean="0"/>
-              <a:t>04/04/2019</a:t>
+              <a:t>07/04/2019</a:t>
             </a:fld>
             <a:endParaRPr lang="en-GB"/>
           </a:p>
@@ -3309,7 +3317,7 @@
           <a:lstStyle/>
           <a:p>
             <a:r>
-              <a:rPr lang="en-US" smtClean="0"/>
+              <a:rPr lang="en-US"/>
               <a:t>Click to edit Master title style</a:t>
             </a:r>
             <a:endParaRPr lang="en-US" dirty="0"/>
@@ -3333,35 +3341,35 @@
           <a:p>
             <a:pPr lvl="0"/>
             <a:r>
-              <a:rPr lang="en-US" smtClean="0"/>
+              <a:rPr lang="en-US"/>
               <a:t>Edit Master text styles</a:t>
             </a:r>
           </a:p>
           <a:p>
             <a:pPr lvl="1"/>
             <a:r>
-              <a:rPr lang="en-US" smtClean="0"/>
+              <a:rPr lang="en-US"/>
               <a:t>Second level</a:t>
             </a:r>
           </a:p>
           <a:p>
             <a:pPr lvl="2"/>
             <a:r>
-              <a:rPr lang="en-US" smtClean="0"/>
+              <a:rPr lang="en-US"/>
               <a:t>Third level</a:t>
             </a:r>
           </a:p>
           <a:p>
             <a:pPr lvl="3"/>
             <a:r>
-              <a:rPr lang="en-US" smtClean="0"/>
+              <a:rPr lang="en-US"/>
               <a:t>Fourth level</a:t>
             </a:r>
           </a:p>
           <a:p>
             <a:pPr lvl="4"/>
             <a:r>
-              <a:rPr lang="en-US" smtClean="0"/>
+              <a:rPr lang="en-US"/>
               <a:t>Fifth level</a:t>
             </a:r>
             <a:endParaRPr lang="en-US" dirty="0"/>
@@ -3385,7 +3393,7 @@
           <a:p>
             <a:fld id="{B1B8C669-0F19-48BF-96F0-8013056EBD1A}" type="datetimeFigureOut">
               <a:rPr lang="en-GB" smtClean="0"/>
-              <a:t>04/04/2019</a:t>
+              <a:t>07/04/2019</a:t>
             </a:fld>
             <a:endParaRPr lang="en-GB"/>
           </a:p>
@@ -3488,7 +3496,7 @@
           </a:lstStyle>
           <a:p>
             <a:r>
-              <a:rPr lang="en-US" smtClean="0"/>
+              <a:rPr lang="en-US"/>
               <a:t>Click to edit Master title style</a:t>
             </a:r>
             <a:endParaRPr lang="en-US" dirty="0"/>
@@ -3609,7 +3617,7 @@
           <a:p>
             <a:pPr lvl="0"/>
             <a:r>
-              <a:rPr lang="en-US" smtClean="0"/>
+              <a:rPr lang="en-US"/>
               <a:t>Edit Master text styles</a:t>
             </a:r>
           </a:p>
@@ -3632,7 +3640,7 @@
           <a:p>
             <a:fld id="{B1B8C669-0F19-48BF-96F0-8013056EBD1A}" type="datetimeFigureOut">
               <a:rPr lang="en-GB" smtClean="0"/>
-              <a:t>04/04/2019</a:t>
+              <a:t>07/04/2019</a:t>
             </a:fld>
             <a:endParaRPr lang="en-GB"/>
           </a:p>
@@ -3726,7 +3734,7 @@
           <a:lstStyle/>
           <a:p>
             <a:r>
-              <a:rPr lang="en-US" smtClean="0"/>
+              <a:rPr lang="en-US"/>
               <a:t>Click to edit Master title style</a:t>
             </a:r>
             <a:endParaRPr lang="en-US" dirty="0"/>
@@ -3785,35 +3793,35 @@
           <a:p>
             <a:pPr lvl="0"/>
             <a:r>
-              <a:rPr lang="en-US" smtClean="0"/>
+              <a:rPr lang="en-US"/>
               <a:t>Edit Master text styles</a:t>
             </a:r>
           </a:p>
           <a:p>
             <a:pPr lvl="1"/>
             <a:r>
-              <a:rPr lang="en-US" smtClean="0"/>
+              <a:rPr lang="en-US"/>
               <a:t>Second level</a:t>
             </a:r>
           </a:p>
           <a:p>
             <a:pPr lvl="2"/>
             <a:r>
-              <a:rPr lang="en-US" smtClean="0"/>
+              <a:rPr lang="en-US"/>
               <a:t>Third level</a:t>
             </a:r>
           </a:p>
           <a:p>
             <a:pPr lvl="3"/>
             <a:r>
-              <a:rPr lang="en-US" smtClean="0"/>
+              <a:rPr lang="en-US"/>
               <a:t>Fourth level</a:t>
             </a:r>
           </a:p>
           <a:p>
             <a:pPr lvl="4"/>
             <a:r>
-              <a:rPr lang="en-US" smtClean="0"/>
+              <a:rPr lang="en-US"/>
               <a:t>Fifth level</a:t>
             </a:r>
             <a:endParaRPr lang="en-US" dirty="0"/>
@@ -3872,35 +3880,35 @@
           <a:p>
             <a:pPr lvl="0"/>
             <a:r>
-              <a:rPr lang="en-US" smtClean="0"/>
+              <a:rPr lang="en-US"/>
               <a:t>Edit Master text styles</a:t>
             </a:r>
           </a:p>
           <a:p>
             <a:pPr lvl="1"/>
             <a:r>
-              <a:rPr lang="en-US" smtClean="0"/>
+              <a:rPr lang="en-US"/>
               <a:t>Second level</a:t>
             </a:r>
           </a:p>
           <a:p>
             <a:pPr lvl="2"/>
             <a:r>
-              <a:rPr lang="en-US" smtClean="0"/>
+              <a:rPr lang="en-US"/>
               <a:t>Third level</a:t>
             </a:r>
           </a:p>
           <a:p>
             <a:pPr lvl="3"/>
             <a:r>
-              <a:rPr lang="en-US" smtClean="0"/>
+              <a:rPr lang="en-US"/>
               <a:t>Fourth level</a:t>
             </a:r>
           </a:p>
           <a:p>
             <a:pPr lvl="4"/>
             <a:r>
-              <a:rPr lang="en-US" smtClean="0"/>
+              <a:rPr lang="en-US"/>
               <a:t>Fifth level</a:t>
             </a:r>
             <a:endParaRPr lang="en-US" dirty="0"/>
@@ -3924,7 +3932,7 @@
           <a:p>
             <a:fld id="{B1B8C669-0F19-48BF-96F0-8013056EBD1A}" type="datetimeFigureOut">
               <a:rPr lang="en-GB" smtClean="0"/>
-              <a:t>04/04/2019</a:t>
+              <a:t>07/04/2019</a:t>
             </a:fld>
             <a:endParaRPr lang="en-GB"/>
           </a:p>
@@ -4022,7 +4030,7 @@
           </a:lstStyle>
           <a:p>
             <a:r>
-              <a:rPr lang="en-US" smtClean="0"/>
+              <a:rPr lang="en-US"/>
               <a:t>Click to edit Master title style</a:t>
             </a:r>
             <a:endParaRPr lang="en-US" dirty="0"/>
@@ -4097,7 +4105,7 @@
           <a:p>
             <a:pPr lvl="0"/>
             <a:r>
-              <a:rPr lang="en-US" smtClean="0"/>
+              <a:rPr lang="en-US"/>
               <a:t>Edit Master text styles</a:t>
             </a:r>
           </a:p>
@@ -4155,35 +4163,35 @@
           <a:p>
             <a:pPr lvl="0"/>
             <a:r>
-              <a:rPr lang="en-US" smtClean="0"/>
+              <a:rPr lang="en-US"/>
               <a:t>Edit Master text styles</a:t>
             </a:r>
           </a:p>
           <a:p>
             <a:pPr lvl="1"/>
             <a:r>
-              <a:rPr lang="en-US" smtClean="0"/>
+              <a:rPr lang="en-US"/>
               <a:t>Second level</a:t>
             </a:r>
           </a:p>
           <a:p>
             <a:pPr lvl="2"/>
             <a:r>
-              <a:rPr lang="en-US" smtClean="0"/>
+              <a:rPr lang="en-US"/>
               <a:t>Third level</a:t>
             </a:r>
           </a:p>
           <a:p>
             <a:pPr lvl="3"/>
             <a:r>
-              <a:rPr lang="en-US" smtClean="0"/>
+              <a:rPr lang="en-US"/>
               <a:t>Fourth level</a:t>
             </a:r>
           </a:p>
           <a:p>
             <a:pPr lvl="4"/>
             <a:r>
-              <a:rPr lang="en-US" smtClean="0"/>
+              <a:rPr lang="en-US"/>
               <a:t>Fifth level</a:t>
             </a:r>
             <a:endParaRPr lang="en-US" dirty="0"/>
@@ -4258,7 +4266,7 @@
           <a:p>
             <a:pPr lvl="0"/>
             <a:r>
-              <a:rPr lang="en-US" smtClean="0"/>
+              <a:rPr lang="en-US"/>
               <a:t>Edit Master text styles</a:t>
             </a:r>
           </a:p>
@@ -4316,35 +4324,35 @@
           <a:p>
             <a:pPr lvl="0"/>
             <a:r>
-              <a:rPr lang="en-US" smtClean="0"/>
+              <a:rPr lang="en-US"/>
               <a:t>Edit Master text styles</a:t>
             </a:r>
           </a:p>
           <a:p>
             <a:pPr lvl="1"/>
             <a:r>
-              <a:rPr lang="en-US" smtClean="0"/>
+              <a:rPr lang="en-US"/>
               <a:t>Second level</a:t>
             </a:r>
           </a:p>
           <a:p>
             <a:pPr lvl="2"/>
             <a:r>
-              <a:rPr lang="en-US" smtClean="0"/>
+              <a:rPr lang="en-US"/>
               <a:t>Third level</a:t>
             </a:r>
           </a:p>
           <a:p>
             <a:pPr lvl="3"/>
             <a:r>
-              <a:rPr lang="en-US" smtClean="0"/>
+              <a:rPr lang="en-US"/>
               <a:t>Fourth level</a:t>
             </a:r>
           </a:p>
           <a:p>
             <a:pPr lvl="4"/>
             <a:r>
-              <a:rPr lang="en-US" smtClean="0"/>
+              <a:rPr lang="en-US"/>
               <a:t>Fifth level</a:t>
             </a:r>
             <a:endParaRPr lang="en-US" dirty="0"/>
@@ -4368,7 +4376,7 @@
           <a:p>
             <a:fld id="{B1B8C669-0F19-48BF-96F0-8013056EBD1A}" type="datetimeFigureOut">
               <a:rPr lang="en-GB" smtClean="0"/>
-              <a:t>04/04/2019</a:t>
+              <a:t>07/04/2019</a:t>
             </a:fld>
             <a:endParaRPr lang="en-GB"/>
           </a:p>
@@ -4462,7 +4470,7 @@
           <a:lstStyle/>
           <a:p>
             <a:r>
-              <a:rPr lang="en-US" smtClean="0"/>
+              <a:rPr lang="en-US"/>
               <a:t>Click to edit Master title style</a:t>
             </a:r>
             <a:endParaRPr lang="en-US" dirty="0"/>
@@ -4486,7 +4494,7 @@
           <a:p>
             <a:fld id="{B1B8C669-0F19-48BF-96F0-8013056EBD1A}" type="datetimeFigureOut">
               <a:rPr lang="en-GB" smtClean="0"/>
-              <a:t>04/04/2019</a:t>
+              <a:t>07/04/2019</a:t>
             </a:fld>
             <a:endParaRPr lang="en-GB"/>
           </a:p>
@@ -4581,7 +4589,7 @@
           <a:p>
             <a:fld id="{B1B8C669-0F19-48BF-96F0-8013056EBD1A}" type="datetimeFigureOut">
               <a:rPr lang="en-GB" smtClean="0"/>
-              <a:t>04/04/2019</a:t>
+              <a:t>07/04/2019</a:t>
             </a:fld>
             <a:endParaRPr lang="en-GB"/>
           </a:p>
@@ -4684,7 +4692,7 @@
           </a:lstStyle>
           <a:p>
             <a:r>
-              <a:rPr lang="en-US" smtClean="0"/>
+              <a:rPr lang="en-US"/>
               <a:t>Click to edit Master title style</a:t>
             </a:r>
             <a:endParaRPr lang="en-US" dirty="0"/>
@@ -4743,35 +4751,35 @@
           <a:p>
             <a:pPr lvl="0"/>
             <a:r>
-              <a:rPr lang="en-US" smtClean="0"/>
+              <a:rPr lang="en-US"/>
               <a:t>Edit Master text styles</a:t>
             </a:r>
           </a:p>
           <a:p>
             <a:pPr lvl="1"/>
             <a:r>
-              <a:rPr lang="en-US" smtClean="0"/>
+              <a:rPr lang="en-US"/>
               <a:t>Second level</a:t>
             </a:r>
           </a:p>
           <a:p>
             <a:pPr lvl="2"/>
             <a:r>
-              <a:rPr lang="en-US" smtClean="0"/>
+              <a:rPr lang="en-US"/>
               <a:t>Third level</a:t>
             </a:r>
           </a:p>
           <a:p>
             <a:pPr lvl="3"/>
             <a:r>
-              <a:rPr lang="en-US" smtClean="0"/>
+              <a:rPr lang="en-US"/>
               <a:t>Fourth level</a:t>
             </a:r>
           </a:p>
           <a:p>
             <a:pPr lvl="4"/>
             <a:r>
-              <a:rPr lang="en-US" smtClean="0"/>
+              <a:rPr lang="en-US"/>
               <a:t>Fifth level</a:t>
             </a:r>
             <a:endParaRPr lang="en-US" dirty="0"/>
@@ -4837,7 +4845,7 @@
           <a:p>
             <a:pPr lvl="0"/>
             <a:r>
-              <a:rPr lang="en-US" smtClean="0"/>
+              <a:rPr lang="en-US"/>
               <a:t>Edit Master text styles</a:t>
             </a:r>
           </a:p>
@@ -4860,7 +4868,7 @@
           <a:p>
             <a:fld id="{B1B8C669-0F19-48BF-96F0-8013056EBD1A}" type="datetimeFigureOut">
               <a:rPr lang="en-GB" smtClean="0"/>
-              <a:t>04/04/2019</a:t>
+              <a:t>07/04/2019</a:t>
             </a:fld>
             <a:endParaRPr lang="en-GB"/>
           </a:p>
@@ -4965,7 +4973,7 @@
           </a:lstStyle>
           <a:p>
             <a:r>
-              <a:rPr lang="en-US" smtClean="0"/>
+              <a:rPr lang="en-US"/>
               <a:t>Click to edit Master title style</a:t>
             </a:r>
             <a:endParaRPr lang="en-US" dirty="0"/>
@@ -5044,7 +5052,7 @@
           </a:lstStyle>
           <a:p>
             <a:r>
-              <a:rPr lang="en-US" smtClean="0"/>
+              <a:rPr lang="en-US"/>
               <a:t>Click icon to add picture</a:t>
             </a:r>
             <a:endParaRPr lang="en-US" dirty="0"/>
@@ -5112,7 +5120,7 @@
           <a:p>
             <a:pPr lvl="0"/>
             <a:r>
-              <a:rPr lang="en-US" smtClean="0"/>
+              <a:rPr lang="en-US"/>
               <a:t>Edit Master text styles</a:t>
             </a:r>
           </a:p>
@@ -5135,7 +5143,7 @@
           <a:p>
             <a:fld id="{B1B8C669-0F19-48BF-96F0-8013056EBD1A}" type="datetimeFigureOut">
               <a:rPr lang="en-GB" smtClean="0"/>
-              <a:t>04/04/2019</a:t>
+              <a:t>07/04/2019</a:t>
             </a:fld>
             <a:endParaRPr lang="en-GB"/>
           </a:p>
@@ -5459,7 +5467,7 @@
           <a:lstStyle/>
           <a:p>
             <a:r>
-              <a:rPr lang="en-US" smtClean="0"/>
+              <a:rPr lang="en-US"/>
               <a:t>Click to edit Master title style</a:t>
             </a:r>
             <a:endParaRPr lang="en-US" dirty="0"/>
@@ -5493,35 +5501,35 @@
           <a:p>
             <a:pPr lvl="0"/>
             <a:r>
-              <a:rPr lang="en-US" smtClean="0"/>
+              <a:rPr lang="en-US"/>
               <a:t>Edit Master text styles</a:t>
             </a:r>
           </a:p>
           <a:p>
             <a:pPr lvl="1"/>
             <a:r>
-              <a:rPr lang="en-US" smtClean="0"/>
+              <a:rPr lang="en-US"/>
               <a:t>Second level</a:t>
             </a:r>
           </a:p>
           <a:p>
             <a:pPr lvl="2"/>
             <a:r>
-              <a:rPr lang="en-US" smtClean="0"/>
+              <a:rPr lang="en-US"/>
               <a:t>Third level</a:t>
             </a:r>
           </a:p>
           <a:p>
             <a:pPr lvl="3"/>
             <a:r>
-              <a:rPr lang="en-US" smtClean="0"/>
+              <a:rPr lang="en-US"/>
               <a:t>Fourth level</a:t>
             </a:r>
           </a:p>
           <a:p>
             <a:pPr lvl="4"/>
             <a:r>
-              <a:rPr lang="en-US" smtClean="0"/>
+              <a:rPr lang="en-US"/>
               <a:t>Fifth level</a:t>
             </a:r>
             <a:endParaRPr lang="en-US" dirty="0"/>
@@ -5564,7 +5572,7 @@
           <a:p>
             <a:fld id="{B1B8C669-0F19-48BF-96F0-8013056EBD1A}" type="datetimeFigureOut">
               <a:rPr lang="en-GB" smtClean="0"/>
-              <a:t>04/04/2019</a:t>
+              <a:t>07/04/2019</a:t>
             </a:fld>
             <a:endParaRPr lang="en-GB"/>
           </a:p>
@@ -6108,11 +6116,11 @@
           <a:lstStyle/>
           <a:p>
             <a:r>
-              <a:rPr lang="en-GB" dirty="0" smtClean="0"/>
+              <a:rPr lang="en-GB" dirty="0"/>
               <a:t>5nite Cinema – Storyboard</a:t>
             </a:r>
             <a:br>
-              <a:rPr lang="en-GB" dirty="0" smtClean="0"/>
+              <a:rPr lang="en-GB" dirty="0"/>
             </a:br>
             <a:endParaRPr lang="en-GB" dirty="0"/>
           </a:p>
@@ -6147,13 +6155,616 @@
   <p:clrMapOvr>
     <a:masterClrMapping/>
   </p:clrMapOvr>
-  <p:timing>
-    <p:tnLst>
-      <p:par>
-        <p:cTn id="1" dur="indefinite" restart="never" nodeType="tmRoot"/>
-      </p:par>
-    </p:tnLst>
-  </p:timing>
+</p:sld>
+</file>
+
+<file path=ppt/slides/slide10.xml><?xml version="1.0" encoding="utf-8"?>
+<p:sld xmlns:a="http://schemas.openxmlformats.org/drawingml/2006/main" xmlns:r="http://schemas.openxmlformats.org/officeDocument/2006/relationships" xmlns:p="http://schemas.openxmlformats.org/presentationml/2006/main">
+  <p:cSld>
+    <p:spTree>
+      <p:nvGrpSpPr>
+        <p:cNvPr id="1" name=""/>
+        <p:cNvGrpSpPr/>
+        <p:nvPr/>
+      </p:nvGrpSpPr>
+      <p:grpSpPr>
+        <a:xfrm>
+          <a:off x="0" y="0"/>
+          <a:ext cx="0" cy="0"/>
+          <a:chOff x="0" y="0"/>
+          <a:chExt cx="0" cy="0"/>
+        </a:xfrm>
+      </p:grpSpPr>
+      <p:sp>
+        <p:nvSpPr>
+          <p:cNvPr id="4" name="Title 1">
+            <a:extLst>
+              <a:ext uri="{FF2B5EF4-FFF2-40B4-BE49-F238E27FC236}">
+                <a16:creationId xmlns:a16="http://schemas.microsoft.com/office/drawing/2014/main" id="{4B770BC0-29CF-422D-AEB8-FEAFDF2F7995}"/>
+              </a:ext>
+            </a:extLst>
+          </p:cNvPr>
+          <p:cNvSpPr>
+            <a:spLocks noGrp="1"/>
+          </p:cNvSpPr>
+          <p:nvPr>
+            <p:ph type="title"/>
+          </p:nvPr>
+        </p:nvSpPr>
+        <p:spPr>
+          <a:xfrm>
+            <a:off x="602299" y="410659"/>
+            <a:ext cx="9448535" cy="1442589"/>
+          </a:xfrm>
+        </p:spPr>
+        <p:txBody>
+          <a:bodyPr/>
+          <a:lstStyle/>
+          <a:p>
+            <a:pPr algn="ctr"/>
+            <a:r>
+              <a:rPr lang="en-GB" dirty="0"/>
+              <a:t>Review Page - Continuation</a:t>
+            </a:r>
+          </a:p>
+        </p:txBody>
+      </p:sp>
+      <p:sp>
+        <p:nvSpPr>
+          <p:cNvPr id="5" name="Rectangle 4">
+            <a:extLst>
+              <a:ext uri="{FF2B5EF4-FFF2-40B4-BE49-F238E27FC236}">
+                <a16:creationId xmlns:a16="http://schemas.microsoft.com/office/drawing/2014/main" id="{A8E3D941-3090-498A-BE50-1685F9A1043F}"/>
+              </a:ext>
+            </a:extLst>
+          </p:cNvPr>
+          <p:cNvSpPr/>
+          <p:nvPr/>
+        </p:nvSpPr>
+        <p:spPr>
+          <a:xfrm>
+            <a:off x="282633" y="1421476"/>
+            <a:ext cx="11621192" cy="5220393"/>
+          </a:xfrm>
+          <a:prstGeom prst="rect">
+            <a:avLst/>
+          </a:prstGeom>
+          <a:solidFill>
+            <a:schemeClr val="tx1">
+              <a:lumMod val="65000"/>
+            </a:schemeClr>
+          </a:solidFill>
+          <a:ln>
+            <a:solidFill>
+              <a:schemeClr val="tx1"/>
+            </a:solidFill>
+          </a:ln>
+        </p:spPr>
+        <p:style>
+          <a:lnRef idx="2">
+            <a:schemeClr val="accent1">
+              <a:shade val="50000"/>
+            </a:schemeClr>
+          </a:lnRef>
+          <a:fillRef idx="1">
+            <a:schemeClr val="accent1"/>
+          </a:fillRef>
+          <a:effectRef idx="0">
+            <a:schemeClr val="accent1"/>
+          </a:effectRef>
+          <a:fontRef idx="minor">
+            <a:schemeClr val="lt1"/>
+          </a:fontRef>
+        </p:style>
+        <p:txBody>
+          <a:bodyPr rtlCol="0" anchor="ctr"/>
+          <a:lstStyle/>
+          <a:p>
+            <a:pPr algn="ctr"/>
+            <a:endParaRPr lang="en-GB"/>
+          </a:p>
+        </p:txBody>
+      </p:sp>
+      <p:sp>
+        <p:nvSpPr>
+          <p:cNvPr id="16" name="Rectangle 15">
+            <a:extLst>
+              <a:ext uri="{FF2B5EF4-FFF2-40B4-BE49-F238E27FC236}">
+                <a16:creationId xmlns:a16="http://schemas.microsoft.com/office/drawing/2014/main" id="{0BC34140-37C4-4575-BBCA-1F7469DBF8DD}"/>
+              </a:ext>
+            </a:extLst>
+          </p:cNvPr>
+          <p:cNvSpPr/>
+          <p:nvPr/>
+        </p:nvSpPr>
+        <p:spPr>
+          <a:xfrm>
+            <a:off x="542069" y="1555442"/>
+            <a:ext cx="4785543" cy="373176"/>
+          </a:xfrm>
+          <a:prstGeom prst="rect">
+            <a:avLst/>
+          </a:prstGeom>
+        </p:spPr>
+        <p:style>
+          <a:lnRef idx="2">
+            <a:schemeClr val="accent1">
+              <a:shade val="50000"/>
+            </a:schemeClr>
+          </a:lnRef>
+          <a:fillRef idx="1">
+            <a:schemeClr val="accent1"/>
+          </a:fillRef>
+          <a:effectRef idx="0">
+            <a:schemeClr val="accent1"/>
+          </a:effectRef>
+          <a:fontRef idx="minor">
+            <a:schemeClr val="lt1"/>
+          </a:fontRef>
+        </p:style>
+        <p:txBody>
+          <a:bodyPr rtlCol="0" anchor="ctr"/>
+          <a:lstStyle/>
+          <a:p>
+            <a:pPr algn="ctr"/>
+            <a:r>
+              <a:rPr lang="en-GB" sz="1100" dirty="0"/>
+              <a:t>Critic Review</a:t>
+            </a:r>
+          </a:p>
+        </p:txBody>
+      </p:sp>
+      <p:sp>
+        <p:nvSpPr>
+          <p:cNvPr id="18" name="Rectangle 17">
+            <a:extLst>
+              <a:ext uri="{FF2B5EF4-FFF2-40B4-BE49-F238E27FC236}">
+                <a16:creationId xmlns:a16="http://schemas.microsoft.com/office/drawing/2014/main" id="{B4541DB1-2991-43C3-8FE7-706A25E74654}"/>
+              </a:ext>
+            </a:extLst>
+          </p:cNvPr>
+          <p:cNvSpPr/>
+          <p:nvPr/>
+        </p:nvSpPr>
+        <p:spPr>
+          <a:xfrm>
+            <a:off x="6866213" y="1555442"/>
+            <a:ext cx="4785543" cy="373176"/>
+          </a:xfrm>
+          <a:prstGeom prst="rect">
+            <a:avLst/>
+          </a:prstGeom>
+        </p:spPr>
+        <p:style>
+          <a:lnRef idx="2">
+            <a:schemeClr val="accent1">
+              <a:shade val="50000"/>
+            </a:schemeClr>
+          </a:lnRef>
+          <a:fillRef idx="1">
+            <a:schemeClr val="accent1"/>
+          </a:fillRef>
+          <a:effectRef idx="0">
+            <a:schemeClr val="accent1"/>
+          </a:effectRef>
+          <a:fontRef idx="minor">
+            <a:schemeClr val="lt1"/>
+          </a:fontRef>
+        </p:style>
+        <p:txBody>
+          <a:bodyPr rtlCol="0" anchor="ctr"/>
+          <a:lstStyle/>
+          <a:p>
+            <a:pPr algn="ctr"/>
+            <a:r>
+              <a:rPr lang="en-GB" sz="1100" dirty="0"/>
+              <a:t>User Review</a:t>
+            </a:r>
+          </a:p>
+        </p:txBody>
+      </p:sp>
+      <p:sp>
+        <p:nvSpPr>
+          <p:cNvPr id="19" name="Rectangle 18">
+            <a:extLst>
+              <a:ext uri="{FF2B5EF4-FFF2-40B4-BE49-F238E27FC236}">
+                <a16:creationId xmlns:a16="http://schemas.microsoft.com/office/drawing/2014/main" id="{CD70786F-1A48-4C56-864E-9F321A3236B0}"/>
+              </a:ext>
+            </a:extLst>
+          </p:cNvPr>
+          <p:cNvSpPr/>
+          <p:nvPr/>
+        </p:nvSpPr>
+        <p:spPr>
+          <a:xfrm>
+            <a:off x="542069" y="2140527"/>
+            <a:ext cx="2952603" cy="1062264"/>
+          </a:xfrm>
+          <a:prstGeom prst="rect">
+            <a:avLst/>
+          </a:prstGeom>
+        </p:spPr>
+        <p:style>
+          <a:lnRef idx="2">
+            <a:schemeClr val="accent1">
+              <a:shade val="50000"/>
+            </a:schemeClr>
+          </a:lnRef>
+          <a:fillRef idx="1">
+            <a:schemeClr val="accent1"/>
+          </a:fillRef>
+          <a:effectRef idx="0">
+            <a:schemeClr val="accent1"/>
+          </a:effectRef>
+          <a:fontRef idx="minor">
+            <a:schemeClr val="lt1"/>
+          </a:fontRef>
+        </p:style>
+        <p:txBody>
+          <a:bodyPr rtlCol="0" anchor="ctr"/>
+          <a:lstStyle/>
+          <a:p>
+            <a:pPr algn="ctr"/>
+            <a:r>
+              <a:rPr lang="en-GB" sz="1100" dirty="0"/>
+              <a:t>Critic Review</a:t>
+            </a:r>
+          </a:p>
+        </p:txBody>
+      </p:sp>
+      <p:sp>
+        <p:nvSpPr>
+          <p:cNvPr id="20" name="Rectangle 19">
+            <a:extLst>
+              <a:ext uri="{FF2B5EF4-FFF2-40B4-BE49-F238E27FC236}">
+                <a16:creationId xmlns:a16="http://schemas.microsoft.com/office/drawing/2014/main" id="{C62DAE29-32CF-4799-84C0-47B1C7BEC62E}"/>
+              </a:ext>
+            </a:extLst>
+          </p:cNvPr>
+          <p:cNvSpPr/>
+          <p:nvPr/>
+        </p:nvSpPr>
+        <p:spPr>
+          <a:xfrm>
+            <a:off x="2373963" y="3460666"/>
+            <a:ext cx="2952603" cy="1062264"/>
+          </a:xfrm>
+          <a:prstGeom prst="rect">
+            <a:avLst/>
+          </a:prstGeom>
+        </p:spPr>
+        <p:style>
+          <a:lnRef idx="2">
+            <a:schemeClr val="accent1">
+              <a:shade val="50000"/>
+            </a:schemeClr>
+          </a:lnRef>
+          <a:fillRef idx="1">
+            <a:schemeClr val="accent1"/>
+          </a:fillRef>
+          <a:effectRef idx="0">
+            <a:schemeClr val="accent1"/>
+          </a:effectRef>
+          <a:fontRef idx="minor">
+            <a:schemeClr val="lt1"/>
+          </a:fontRef>
+        </p:style>
+        <p:txBody>
+          <a:bodyPr rtlCol="0" anchor="ctr"/>
+          <a:lstStyle/>
+          <a:p>
+            <a:pPr algn="ctr"/>
+            <a:r>
+              <a:rPr lang="en-GB" sz="1100" dirty="0"/>
+              <a:t>Critic Review</a:t>
+            </a:r>
+          </a:p>
+        </p:txBody>
+      </p:sp>
+      <p:sp>
+        <p:nvSpPr>
+          <p:cNvPr id="21" name="Rectangle 20">
+            <a:extLst>
+              <a:ext uri="{FF2B5EF4-FFF2-40B4-BE49-F238E27FC236}">
+                <a16:creationId xmlns:a16="http://schemas.microsoft.com/office/drawing/2014/main" id="{7DCBC7AA-9B9B-43FC-B83E-4A0237C2722F}"/>
+              </a:ext>
+            </a:extLst>
+          </p:cNvPr>
+          <p:cNvSpPr/>
+          <p:nvPr/>
+        </p:nvSpPr>
+        <p:spPr>
+          <a:xfrm>
+            <a:off x="542068" y="4771426"/>
+            <a:ext cx="2952603" cy="1062264"/>
+          </a:xfrm>
+          <a:prstGeom prst="rect">
+            <a:avLst/>
+          </a:prstGeom>
+        </p:spPr>
+        <p:style>
+          <a:lnRef idx="2">
+            <a:schemeClr val="accent1">
+              <a:shade val="50000"/>
+            </a:schemeClr>
+          </a:lnRef>
+          <a:fillRef idx="1">
+            <a:schemeClr val="accent1"/>
+          </a:fillRef>
+          <a:effectRef idx="0">
+            <a:schemeClr val="accent1"/>
+          </a:effectRef>
+          <a:fontRef idx="minor">
+            <a:schemeClr val="lt1"/>
+          </a:fontRef>
+        </p:style>
+        <p:txBody>
+          <a:bodyPr rtlCol="0" anchor="ctr"/>
+          <a:lstStyle/>
+          <a:p>
+            <a:pPr algn="ctr"/>
+            <a:r>
+              <a:rPr lang="en-GB" sz="1100" dirty="0"/>
+              <a:t>Critic Review</a:t>
+            </a:r>
+          </a:p>
+        </p:txBody>
+      </p:sp>
+      <p:sp>
+        <p:nvSpPr>
+          <p:cNvPr id="22" name="Rectangle 21">
+            <a:extLst>
+              <a:ext uri="{FF2B5EF4-FFF2-40B4-BE49-F238E27FC236}">
+                <a16:creationId xmlns:a16="http://schemas.microsoft.com/office/drawing/2014/main" id="{474A2CB0-02C4-4C50-AE16-DD1263983EC4}"/>
+              </a:ext>
+            </a:extLst>
+          </p:cNvPr>
+          <p:cNvSpPr/>
+          <p:nvPr/>
+        </p:nvSpPr>
+        <p:spPr>
+          <a:xfrm>
+            <a:off x="3711309" y="6092394"/>
+            <a:ext cx="1615257" cy="354947"/>
+          </a:xfrm>
+          <a:prstGeom prst="rect">
+            <a:avLst/>
+          </a:prstGeom>
+        </p:spPr>
+        <p:style>
+          <a:lnRef idx="2">
+            <a:schemeClr val="accent1">
+              <a:shade val="50000"/>
+            </a:schemeClr>
+          </a:lnRef>
+          <a:fillRef idx="1">
+            <a:schemeClr val="accent1"/>
+          </a:fillRef>
+          <a:effectRef idx="0">
+            <a:schemeClr val="accent1"/>
+          </a:effectRef>
+          <a:fontRef idx="minor">
+            <a:schemeClr val="lt1"/>
+          </a:fontRef>
+        </p:style>
+        <p:txBody>
+          <a:bodyPr rtlCol="0" anchor="ctr"/>
+          <a:lstStyle/>
+          <a:p>
+            <a:pPr algn="ctr"/>
+            <a:r>
+              <a:rPr lang="en-GB" sz="1100" dirty="0"/>
+              <a:t>See More…</a:t>
+            </a:r>
+          </a:p>
+        </p:txBody>
+      </p:sp>
+      <p:sp>
+        <p:nvSpPr>
+          <p:cNvPr id="23" name="Rectangle 22">
+            <a:extLst>
+              <a:ext uri="{FF2B5EF4-FFF2-40B4-BE49-F238E27FC236}">
+                <a16:creationId xmlns:a16="http://schemas.microsoft.com/office/drawing/2014/main" id="{A27C4AF0-86CA-4CF3-B5F1-74B44BBDCA77}"/>
+              </a:ext>
+            </a:extLst>
+          </p:cNvPr>
+          <p:cNvSpPr/>
+          <p:nvPr/>
+        </p:nvSpPr>
+        <p:spPr>
+          <a:xfrm>
+            <a:off x="6865434" y="2094151"/>
+            <a:ext cx="2952603" cy="1062264"/>
+          </a:xfrm>
+          <a:prstGeom prst="rect">
+            <a:avLst/>
+          </a:prstGeom>
+        </p:spPr>
+        <p:style>
+          <a:lnRef idx="2">
+            <a:schemeClr val="accent1">
+              <a:shade val="50000"/>
+            </a:schemeClr>
+          </a:lnRef>
+          <a:fillRef idx="1">
+            <a:schemeClr val="accent1"/>
+          </a:fillRef>
+          <a:effectRef idx="0">
+            <a:schemeClr val="accent1"/>
+          </a:effectRef>
+          <a:fontRef idx="minor">
+            <a:schemeClr val="lt1"/>
+          </a:fontRef>
+        </p:style>
+        <p:txBody>
+          <a:bodyPr rtlCol="0" anchor="ctr"/>
+          <a:lstStyle/>
+          <a:p>
+            <a:pPr algn="ctr"/>
+            <a:r>
+              <a:rPr lang="en-GB" sz="1100" dirty="0"/>
+              <a:t>Critic Review</a:t>
+            </a:r>
+          </a:p>
+        </p:txBody>
+      </p:sp>
+      <p:sp>
+        <p:nvSpPr>
+          <p:cNvPr id="24" name="Rectangle 23">
+            <a:extLst>
+              <a:ext uri="{FF2B5EF4-FFF2-40B4-BE49-F238E27FC236}">
+                <a16:creationId xmlns:a16="http://schemas.microsoft.com/office/drawing/2014/main" id="{9EBA9798-F3F5-4F0E-BA95-9B375A8A0A47}"/>
+              </a:ext>
+            </a:extLst>
+          </p:cNvPr>
+          <p:cNvSpPr/>
+          <p:nvPr/>
+        </p:nvSpPr>
+        <p:spPr>
+          <a:xfrm>
+            <a:off x="8697328" y="3414290"/>
+            <a:ext cx="2952603" cy="1062264"/>
+          </a:xfrm>
+          <a:prstGeom prst="rect">
+            <a:avLst/>
+          </a:prstGeom>
+        </p:spPr>
+        <p:style>
+          <a:lnRef idx="2">
+            <a:schemeClr val="accent1">
+              <a:shade val="50000"/>
+            </a:schemeClr>
+          </a:lnRef>
+          <a:fillRef idx="1">
+            <a:schemeClr val="accent1"/>
+          </a:fillRef>
+          <a:effectRef idx="0">
+            <a:schemeClr val="accent1"/>
+          </a:effectRef>
+          <a:fontRef idx="minor">
+            <a:schemeClr val="lt1"/>
+          </a:fontRef>
+        </p:style>
+        <p:txBody>
+          <a:bodyPr rtlCol="0" anchor="ctr"/>
+          <a:lstStyle/>
+          <a:p>
+            <a:pPr algn="ctr"/>
+            <a:r>
+              <a:rPr lang="en-GB" sz="1100" dirty="0"/>
+              <a:t>Critic Review</a:t>
+            </a:r>
+          </a:p>
+        </p:txBody>
+      </p:sp>
+      <p:sp>
+        <p:nvSpPr>
+          <p:cNvPr id="25" name="Rectangle 24">
+            <a:extLst>
+              <a:ext uri="{FF2B5EF4-FFF2-40B4-BE49-F238E27FC236}">
+                <a16:creationId xmlns:a16="http://schemas.microsoft.com/office/drawing/2014/main" id="{BE915D54-7671-40B7-9F24-6AB60E0705FA}"/>
+              </a:ext>
+            </a:extLst>
+          </p:cNvPr>
+          <p:cNvSpPr/>
+          <p:nvPr/>
+        </p:nvSpPr>
+        <p:spPr>
+          <a:xfrm>
+            <a:off x="6865433" y="4725050"/>
+            <a:ext cx="2952603" cy="1062264"/>
+          </a:xfrm>
+          <a:prstGeom prst="rect">
+            <a:avLst/>
+          </a:prstGeom>
+        </p:spPr>
+        <p:style>
+          <a:lnRef idx="2">
+            <a:schemeClr val="accent1">
+              <a:shade val="50000"/>
+            </a:schemeClr>
+          </a:lnRef>
+          <a:fillRef idx="1">
+            <a:schemeClr val="accent1"/>
+          </a:fillRef>
+          <a:effectRef idx="0">
+            <a:schemeClr val="accent1"/>
+          </a:effectRef>
+          <a:fontRef idx="minor">
+            <a:schemeClr val="lt1"/>
+          </a:fontRef>
+        </p:style>
+        <p:txBody>
+          <a:bodyPr rtlCol="0" anchor="ctr"/>
+          <a:lstStyle/>
+          <a:p>
+            <a:pPr algn="ctr"/>
+            <a:r>
+              <a:rPr lang="en-GB" sz="1100" dirty="0"/>
+              <a:t>Critic Review</a:t>
+            </a:r>
+          </a:p>
+        </p:txBody>
+      </p:sp>
+      <p:sp>
+        <p:nvSpPr>
+          <p:cNvPr id="26" name="Rectangle 25">
+            <a:extLst>
+              <a:ext uri="{FF2B5EF4-FFF2-40B4-BE49-F238E27FC236}">
+                <a16:creationId xmlns:a16="http://schemas.microsoft.com/office/drawing/2014/main" id="{84ACDF0A-3EFD-4BE3-B405-3DF58786FC42}"/>
+              </a:ext>
+            </a:extLst>
+          </p:cNvPr>
+          <p:cNvSpPr/>
+          <p:nvPr/>
+        </p:nvSpPr>
+        <p:spPr>
+          <a:xfrm>
+            <a:off x="10034674" y="6046018"/>
+            <a:ext cx="1615257" cy="354947"/>
+          </a:xfrm>
+          <a:prstGeom prst="rect">
+            <a:avLst/>
+          </a:prstGeom>
+        </p:spPr>
+        <p:style>
+          <a:lnRef idx="2">
+            <a:schemeClr val="accent1">
+              <a:shade val="50000"/>
+            </a:schemeClr>
+          </a:lnRef>
+          <a:fillRef idx="1">
+            <a:schemeClr val="accent1"/>
+          </a:fillRef>
+          <a:effectRef idx="0">
+            <a:schemeClr val="accent1"/>
+          </a:effectRef>
+          <a:fontRef idx="minor">
+            <a:schemeClr val="lt1"/>
+          </a:fontRef>
+        </p:style>
+        <p:txBody>
+          <a:bodyPr rtlCol="0" anchor="ctr"/>
+          <a:lstStyle/>
+          <a:p>
+            <a:pPr algn="ctr"/>
+            <a:r>
+              <a:rPr lang="en-GB" sz="1100" dirty="0"/>
+              <a:t>See More…</a:t>
+            </a:r>
+          </a:p>
+        </p:txBody>
+      </p:sp>
+    </p:spTree>
+    <p:extLst>
+      <p:ext uri="{BB962C8B-B14F-4D97-AF65-F5344CB8AC3E}">
+        <p14:creationId xmlns:p14="http://schemas.microsoft.com/office/powerpoint/2010/main" val="3565568850"/>
+      </p:ext>
+    </p:extLst>
+  </p:cSld>
+  <p:clrMapOvr>
+    <a:masterClrMapping/>
+  </p:clrMapOvr>
 </p:sld>
 </file>
 
@@ -6191,10 +6802,9 @@
           <a:p>
             <a:pPr algn="ctr"/>
             <a:r>
-              <a:rPr lang="en-GB" dirty="0" smtClean="0"/>
+              <a:rPr lang="en-GB" dirty="0"/>
               <a:t>Home page</a:t>
             </a:r>
-            <a:endParaRPr lang="en-GB" dirty="0"/>
           </a:p>
         </p:txBody>
       </p:sp>
@@ -6290,18 +6900,13 @@
           <a:p>
             <a:pPr algn="ctr"/>
             <a:r>
-              <a:rPr lang="en-GB" sz="4400" b="1" dirty="0" smtClean="0">
+              <a:rPr lang="en-GB" sz="4400" b="1" dirty="0">
                 <a:solidFill>
                   <a:schemeClr val="bg1"/>
                 </a:solidFill>
               </a:rPr>
               <a:t>5nite Cinema</a:t>
             </a:r>
-            <a:endParaRPr lang="en-GB" sz="4400" b="1" dirty="0">
-              <a:solidFill>
-                <a:schemeClr val="bg1"/>
-              </a:solidFill>
-            </a:endParaRPr>
           </a:p>
         </p:txBody>
       </p:sp>
@@ -6387,10 +6992,9 @@
           <a:p>
             <a:pPr algn="ctr"/>
             <a:r>
-              <a:rPr lang="en-GB" dirty="0" smtClean="0"/>
+              <a:rPr lang="en-GB" dirty="0"/>
               <a:t>Actors</a:t>
             </a:r>
-            <a:endParaRPr lang="en-GB" dirty="0"/>
           </a:p>
         </p:txBody>
       </p:sp>
@@ -6431,10 +7035,9 @@
           <a:p>
             <a:pPr algn="ctr"/>
             <a:r>
-              <a:rPr lang="en-GB" dirty="0" smtClean="0"/>
+              <a:rPr lang="en-GB" dirty="0"/>
               <a:t>Directors</a:t>
             </a:r>
-            <a:endParaRPr lang="en-GB" dirty="0"/>
           </a:p>
         </p:txBody>
       </p:sp>
@@ -6475,10 +7078,9 @@
           <a:p>
             <a:pPr algn="ctr"/>
             <a:r>
-              <a:rPr lang="en-GB" dirty="0" smtClean="0"/>
+              <a:rPr lang="en-GB" dirty="0"/>
               <a:t>Movies</a:t>
             </a:r>
-            <a:endParaRPr lang="en-GB" dirty="0"/>
           </a:p>
         </p:txBody>
       </p:sp>
@@ -6519,10 +7121,9 @@
           <a:p>
             <a:pPr algn="ctr"/>
             <a:r>
-              <a:rPr lang="en-GB" dirty="0" smtClean="0"/>
+              <a:rPr lang="en-GB" dirty="0"/>
               <a:t>Stories</a:t>
             </a:r>
-            <a:endParaRPr lang="en-GB" dirty="0"/>
           </a:p>
         </p:txBody>
       </p:sp>
@@ -6563,10 +7164,9 @@
           <a:p>
             <a:pPr algn="ctr"/>
             <a:r>
-              <a:rPr lang="en-GB" dirty="0" smtClean="0"/>
+              <a:rPr lang="en-GB" dirty="0"/>
               <a:t>Reviews</a:t>
             </a:r>
-            <a:endParaRPr lang="en-GB" dirty="0"/>
           </a:p>
         </p:txBody>
       </p:sp>
@@ -6607,10 +7207,9 @@
           <a:p>
             <a:pPr algn="ctr"/>
             <a:r>
-              <a:rPr lang="en-GB" dirty="0" smtClean="0"/>
+              <a:rPr lang="en-GB" dirty="0"/>
               <a:t>About Us</a:t>
             </a:r>
-            <a:endParaRPr lang="en-GB" dirty="0"/>
           </a:p>
         </p:txBody>
       </p:sp>
@@ -6696,10 +7295,9 @@
           <a:p>
             <a:pPr algn="ctr"/>
             <a:r>
-              <a:rPr lang="en-GB" dirty="0" smtClean="0"/>
+              <a:rPr lang="en-GB" dirty="0"/>
               <a:t>Recent Released</a:t>
             </a:r>
-            <a:endParaRPr lang="en-GB" dirty="0"/>
           </a:p>
         </p:txBody>
       </p:sp>
@@ -6740,17 +7338,16 @@
           <a:p>
             <a:pPr algn="ctr"/>
             <a:r>
-              <a:rPr lang="en-GB" dirty="0" smtClean="0"/>
+              <a:rPr lang="en-GB" dirty="0"/>
               <a:t>Movies</a:t>
             </a:r>
           </a:p>
           <a:p>
             <a:pPr algn="ctr"/>
             <a:r>
-              <a:rPr lang="en-GB" dirty="0" smtClean="0"/>
+              <a:rPr lang="en-GB" dirty="0"/>
               <a:t>(image)</a:t>
             </a:r>
-            <a:endParaRPr lang="en-GB" dirty="0"/>
           </a:p>
         </p:txBody>
       </p:sp>
@@ -7007,17 +7604,16 @@
           <a:p>
             <a:pPr algn="ctr"/>
             <a:r>
-              <a:rPr lang="en-GB" dirty="0" smtClean="0"/>
+              <a:rPr lang="en-GB" dirty="0"/>
               <a:t>Movie Title</a:t>
             </a:r>
           </a:p>
           <a:p>
             <a:pPr algn="ctr"/>
             <a:r>
-              <a:rPr lang="en-GB" dirty="0" smtClean="0"/>
+              <a:rPr lang="en-GB" dirty="0"/>
               <a:t>(hyperlink)</a:t>
             </a:r>
-            <a:endParaRPr lang="en-GB" dirty="0"/>
           </a:p>
         </p:txBody>
       </p:sp>
@@ -7058,17 +7654,16 @@
           <a:p>
             <a:pPr algn="ctr"/>
             <a:r>
-              <a:rPr lang="en-GB" dirty="0" smtClean="0"/>
+              <a:rPr lang="en-GB" dirty="0"/>
               <a:t>Movie Title</a:t>
             </a:r>
           </a:p>
           <a:p>
             <a:pPr algn="ctr"/>
             <a:r>
-              <a:rPr lang="en-GB" dirty="0" smtClean="0"/>
+              <a:rPr lang="en-GB" dirty="0"/>
               <a:t>(hyperlink)</a:t>
             </a:r>
-            <a:endParaRPr lang="en-GB" dirty="0"/>
           </a:p>
         </p:txBody>
       </p:sp>
@@ -7109,17 +7704,16 @@
           <a:p>
             <a:pPr algn="ctr"/>
             <a:r>
-              <a:rPr lang="en-GB" dirty="0" smtClean="0"/>
+              <a:rPr lang="en-GB" dirty="0"/>
               <a:t>Movie Title</a:t>
             </a:r>
           </a:p>
           <a:p>
             <a:pPr algn="ctr"/>
             <a:r>
-              <a:rPr lang="en-GB" dirty="0" smtClean="0"/>
+              <a:rPr lang="en-GB" dirty="0"/>
               <a:t>(hyperlink)</a:t>
             </a:r>
-            <a:endParaRPr lang="en-GB" dirty="0"/>
           </a:p>
         </p:txBody>
       </p:sp>
@@ -7160,17 +7754,16 @@
           <a:p>
             <a:pPr algn="ctr"/>
             <a:r>
-              <a:rPr lang="en-GB" dirty="0" smtClean="0"/>
+              <a:rPr lang="en-GB" dirty="0"/>
               <a:t>Movie Title</a:t>
             </a:r>
           </a:p>
           <a:p>
             <a:pPr algn="ctr"/>
             <a:r>
-              <a:rPr lang="en-GB" dirty="0" smtClean="0"/>
+              <a:rPr lang="en-GB" dirty="0"/>
               <a:t>(hyperlink)</a:t>
             </a:r>
-            <a:endParaRPr lang="en-GB" dirty="0"/>
           </a:p>
         </p:txBody>
       </p:sp>
@@ -7211,17 +7804,16 @@
           <a:p>
             <a:pPr algn="ctr"/>
             <a:r>
-              <a:rPr lang="en-GB" dirty="0" smtClean="0"/>
+              <a:rPr lang="en-GB" dirty="0"/>
               <a:t>Movie Title</a:t>
             </a:r>
           </a:p>
           <a:p>
             <a:pPr algn="ctr"/>
             <a:r>
-              <a:rPr lang="en-GB" dirty="0" smtClean="0"/>
+              <a:rPr lang="en-GB" dirty="0"/>
               <a:t>(hyperlink)</a:t>
             </a:r>
-            <a:endParaRPr lang="en-GB" dirty="0"/>
           </a:p>
         </p:txBody>
       </p:sp>
@@ -7262,10 +7854,9 @@
           <a:p>
             <a:pPr algn="ctr"/>
             <a:r>
-              <a:rPr lang="en-GB" dirty="0" smtClean="0"/>
+              <a:rPr lang="en-GB" dirty="0"/>
               <a:t>Login</a:t>
             </a:r>
-            <a:endParaRPr lang="en-GB" dirty="0"/>
           </a:p>
         </p:txBody>
       </p:sp>
@@ -7306,10 +7897,9 @@
           <a:p>
             <a:pPr algn="ctr"/>
             <a:r>
-              <a:rPr lang="en-GB" dirty="0" smtClean="0"/>
+              <a:rPr lang="en-GB" dirty="0"/>
               <a:t>Sign up</a:t>
             </a:r>
-            <a:endParaRPr lang="en-GB" dirty="0"/>
           </a:p>
         </p:txBody>
       </p:sp>
@@ -7323,13 +7913,6 @@
   <p:clrMapOvr>
     <a:masterClrMapping/>
   </p:clrMapOvr>
-  <p:timing>
-    <p:tnLst>
-      <p:par>
-        <p:cTn id="1" dur="indefinite" restart="never" nodeType="tmRoot"/>
-      </p:par>
-    </p:tnLst>
-  </p:timing>
 </p:sld>
 </file>
 
@@ -7372,10 +7955,9 @@
           <a:p>
             <a:pPr algn="ctr"/>
             <a:r>
-              <a:rPr lang="en-GB" dirty="0" smtClean="0"/>
+              <a:rPr lang="en-GB" dirty="0"/>
               <a:t>Movies Page</a:t>
             </a:r>
-            <a:endParaRPr lang="en-GB" dirty="0"/>
           </a:p>
         </p:txBody>
       </p:sp>
@@ -7567,10 +8149,9 @@
           <a:p>
             <a:pPr algn="ctr"/>
             <a:r>
-              <a:rPr lang="en-GB" dirty="0" smtClean="0"/>
+              <a:rPr lang="en-GB" dirty="0"/>
               <a:t>Movies</a:t>
             </a:r>
-            <a:endParaRPr lang="en-GB" dirty="0"/>
           </a:p>
         </p:txBody>
       </p:sp>
@@ -7611,17 +8192,16 @@
           <a:p>
             <a:pPr algn="ctr"/>
             <a:r>
-              <a:rPr lang="en-GB" dirty="0" smtClean="0"/>
+              <a:rPr lang="en-GB" dirty="0"/>
               <a:t>Movies</a:t>
             </a:r>
           </a:p>
           <a:p>
             <a:pPr algn="ctr"/>
             <a:r>
-              <a:rPr lang="en-GB" dirty="0" smtClean="0"/>
+              <a:rPr lang="en-GB" dirty="0"/>
               <a:t>(image)</a:t>
             </a:r>
-            <a:endParaRPr lang="en-GB" dirty="0"/>
           </a:p>
         </p:txBody>
       </p:sp>
@@ -7662,10 +8242,9 @@
           <a:p>
             <a:pPr algn="ctr"/>
             <a:r>
-              <a:rPr lang="en-GB" dirty="0" smtClean="0"/>
+              <a:rPr lang="en-GB" dirty="0"/>
               <a:t>Movies Name</a:t>
             </a:r>
-            <a:endParaRPr lang="en-GB" dirty="0"/>
           </a:p>
         </p:txBody>
       </p:sp>
@@ -7751,10 +8330,9 @@
           <a:p>
             <a:pPr algn="ctr"/>
             <a:r>
-              <a:rPr lang="en-GB" dirty="0" smtClean="0"/>
+              <a:rPr lang="en-GB" dirty="0"/>
               <a:t>Actors</a:t>
             </a:r>
-            <a:endParaRPr lang="en-GB" dirty="0"/>
           </a:p>
         </p:txBody>
       </p:sp>
@@ -7795,10 +8373,9 @@
           <a:p>
             <a:pPr algn="ctr"/>
             <a:r>
-              <a:rPr lang="en-GB" dirty="0" smtClean="0"/>
+              <a:rPr lang="en-GB" dirty="0"/>
               <a:t>Directors</a:t>
             </a:r>
-            <a:endParaRPr lang="en-GB" dirty="0"/>
           </a:p>
         </p:txBody>
       </p:sp>
@@ -7839,10 +8416,9 @@
           <a:p>
             <a:pPr algn="ctr"/>
             <a:r>
-              <a:rPr lang="en-GB" dirty="0" smtClean="0"/>
+              <a:rPr lang="en-GB" dirty="0"/>
               <a:t>Movies</a:t>
             </a:r>
-            <a:endParaRPr lang="en-GB" dirty="0"/>
           </a:p>
         </p:txBody>
       </p:sp>
@@ -7883,10 +8459,9 @@
           <a:p>
             <a:pPr algn="ctr"/>
             <a:r>
-              <a:rPr lang="en-GB" dirty="0" smtClean="0"/>
+              <a:rPr lang="en-GB" dirty="0"/>
               <a:t>Stories</a:t>
             </a:r>
-            <a:endParaRPr lang="en-GB" dirty="0"/>
           </a:p>
         </p:txBody>
       </p:sp>
@@ -7927,10 +8502,9 @@
           <a:p>
             <a:pPr algn="ctr"/>
             <a:r>
-              <a:rPr lang="en-GB" dirty="0" smtClean="0"/>
+              <a:rPr lang="en-GB" dirty="0"/>
               <a:t>Reviews</a:t>
             </a:r>
-            <a:endParaRPr lang="en-GB" dirty="0"/>
           </a:p>
         </p:txBody>
       </p:sp>
@@ -7971,10 +8545,9 @@
           <a:p>
             <a:pPr algn="ctr"/>
             <a:r>
-              <a:rPr lang="en-GB" dirty="0" smtClean="0"/>
+              <a:rPr lang="en-GB" dirty="0"/>
               <a:t>About Us</a:t>
             </a:r>
-            <a:endParaRPr lang="en-GB" dirty="0"/>
           </a:p>
         </p:txBody>
       </p:sp>
@@ -8015,10 +8588,9 @@
           <a:p>
             <a:pPr algn="ctr"/>
             <a:r>
-              <a:rPr lang="en-GB" dirty="0" smtClean="0"/>
+              <a:rPr lang="en-GB" dirty="0"/>
               <a:t>Genre</a:t>
             </a:r>
-            <a:endParaRPr lang="en-GB" dirty="0"/>
           </a:p>
         </p:txBody>
       </p:sp>
@@ -8059,10 +8631,9 @@
           <a:p>
             <a:pPr algn="ctr"/>
             <a:r>
-              <a:rPr lang="en-GB" dirty="0" smtClean="0"/>
+              <a:rPr lang="en-GB" dirty="0"/>
               <a:t>Directors</a:t>
             </a:r>
-            <a:endParaRPr lang="en-GB" dirty="0"/>
           </a:p>
         </p:txBody>
       </p:sp>
@@ -8103,10 +8674,9 @@
           <a:p>
             <a:pPr algn="ctr"/>
             <a:r>
-              <a:rPr lang="en-GB" dirty="0" smtClean="0"/>
+              <a:rPr lang="en-GB" dirty="0"/>
               <a:t>Actors</a:t>
             </a:r>
-            <a:endParaRPr lang="en-GB" dirty="0"/>
           </a:p>
         </p:txBody>
       </p:sp>
@@ -8147,10 +8717,9 @@
           <a:p>
             <a:pPr algn="ctr"/>
             <a:r>
-              <a:rPr lang="en-GB" dirty="0" smtClean="0"/>
+              <a:rPr lang="en-GB" dirty="0"/>
               <a:t>Description</a:t>
             </a:r>
-            <a:endParaRPr lang="en-GB" dirty="0"/>
           </a:p>
         </p:txBody>
       </p:sp>
@@ -8596,10 +9165,9 @@
           <a:p>
             <a:pPr algn="ctr"/>
             <a:r>
-              <a:rPr lang="en-GB" sz="1200" dirty="0" smtClean="0"/>
+              <a:rPr lang="en-GB" sz="1200" dirty="0"/>
               <a:t>Rate this movie</a:t>
             </a:r>
-            <a:endParaRPr lang="en-GB" sz="1200" dirty="0"/>
           </a:p>
         </p:txBody>
       </p:sp>
@@ -8675,17 +9243,16 @@
           <a:p>
             <a:pPr algn="ctr"/>
             <a:r>
-              <a:rPr lang="en-GB" dirty="0" smtClean="0"/>
+              <a:rPr lang="en-GB" dirty="0"/>
               <a:t>Comment</a:t>
             </a:r>
           </a:p>
           <a:p>
             <a:pPr algn="ctr"/>
             <a:r>
-              <a:rPr lang="en-GB" dirty="0" smtClean="0"/>
+              <a:rPr lang="en-GB" dirty="0"/>
               <a:t>(textbox)</a:t>
             </a:r>
-            <a:endParaRPr lang="en-GB" dirty="0"/>
           </a:p>
         </p:txBody>
       </p:sp>
@@ -8726,10 +9293,9 @@
           <a:p>
             <a:pPr algn="ctr"/>
             <a:r>
-              <a:rPr lang="en-GB" dirty="0" smtClean="0"/>
+              <a:rPr lang="en-GB" dirty="0"/>
               <a:t>Write Your Comment</a:t>
             </a:r>
-            <a:endParaRPr lang="en-GB" dirty="0"/>
           </a:p>
         </p:txBody>
       </p:sp>
@@ -8770,10 +9336,9 @@
           <a:p>
             <a:pPr algn="ctr"/>
             <a:r>
-              <a:rPr lang="en-GB" dirty="0" smtClean="0"/>
+              <a:rPr lang="en-GB" dirty="0"/>
               <a:t>Ok</a:t>
             </a:r>
-            <a:endParaRPr lang="en-GB" dirty="0"/>
           </a:p>
         </p:txBody>
       </p:sp>
@@ -8814,10 +9379,9 @@
           <a:p>
             <a:pPr algn="ctr"/>
             <a:r>
-              <a:rPr lang="en-GB" dirty="0" smtClean="0"/>
+              <a:rPr lang="en-GB" dirty="0"/>
               <a:t>Read more</a:t>
             </a:r>
-            <a:endParaRPr lang="en-GB" dirty="0"/>
           </a:p>
         </p:txBody>
       </p:sp>
@@ -8884,10 +9448,9 @@
           <a:p>
             <a:pPr algn="ctr"/>
             <a:r>
-              <a:rPr lang="en-GB" sz="1400" dirty="0" smtClean="0"/>
+              <a:rPr lang="en-GB" sz="1400" dirty="0"/>
               <a:t>Also See</a:t>
             </a:r>
-            <a:endParaRPr lang="en-GB" sz="1400" dirty="0"/>
           </a:p>
         </p:txBody>
       </p:sp>
@@ -8931,10 +9494,9 @@
           <a:p>
             <a:pPr algn="ctr"/>
             <a:r>
-              <a:rPr lang="en-GB" dirty="0" smtClean="0"/>
+              <a:rPr lang="en-GB" dirty="0"/>
               <a:t>User’s Comments</a:t>
             </a:r>
-            <a:endParaRPr lang="en-GB" dirty="0"/>
           </a:p>
         </p:txBody>
       </p:sp>
@@ -8948,13 +9510,6 @@
   <p:clrMapOvr>
     <a:masterClrMapping/>
   </p:clrMapOvr>
-  <p:timing>
-    <p:tnLst>
-      <p:par>
-        <p:cTn id="1" dur="indefinite" restart="never" nodeType="tmRoot"/>
-      </p:par>
-    </p:tnLst>
-  </p:timing>
 </p:sld>
 </file>
 
@@ -8997,10 +9552,9 @@
           <a:p>
             <a:pPr algn="ctr"/>
             <a:r>
-              <a:rPr lang="en-GB" dirty="0" smtClean="0"/>
+              <a:rPr lang="en-GB" dirty="0"/>
               <a:t>Actors Page</a:t>
             </a:r>
-            <a:endParaRPr lang="en-GB" dirty="0"/>
           </a:p>
         </p:txBody>
       </p:sp>
@@ -9192,10 +9746,9 @@
           <a:p>
             <a:pPr algn="ctr"/>
             <a:r>
-              <a:rPr lang="en-GB" dirty="0" smtClean="0"/>
+              <a:rPr lang="en-GB" dirty="0"/>
               <a:t>Actors</a:t>
             </a:r>
-            <a:endParaRPr lang="en-GB" dirty="0"/>
           </a:p>
         </p:txBody>
       </p:sp>
@@ -9281,10 +9834,9 @@
           <a:p>
             <a:pPr algn="ctr"/>
             <a:r>
-              <a:rPr lang="en-GB" dirty="0" smtClean="0"/>
+              <a:rPr lang="en-GB" dirty="0"/>
               <a:t>Actors</a:t>
             </a:r>
-            <a:endParaRPr lang="en-GB" dirty="0"/>
           </a:p>
         </p:txBody>
       </p:sp>
@@ -9325,10 +9877,9 @@
           <a:p>
             <a:pPr algn="ctr"/>
             <a:r>
-              <a:rPr lang="en-GB" dirty="0" smtClean="0"/>
+              <a:rPr lang="en-GB" dirty="0"/>
               <a:t>Directors</a:t>
             </a:r>
-            <a:endParaRPr lang="en-GB" dirty="0"/>
           </a:p>
         </p:txBody>
       </p:sp>
@@ -9369,10 +9920,9 @@
           <a:p>
             <a:pPr algn="ctr"/>
             <a:r>
-              <a:rPr lang="en-GB" dirty="0" smtClean="0"/>
+              <a:rPr lang="en-GB" dirty="0"/>
               <a:t>Movies</a:t>
             </a:r>
-            <a:endParaRPr lang="en-GB" dirty="0"/>
           </a:p>
         </p:txBody>
       </p:sp>
@@ -9413,10 +9963,9 @@
           <a:p>
             <a:pPr algn="ctr"/>
             <a:r>
-              <a:rPr lang="en-GB" dirty="0" smtClean="0"/>
+              <a:rPr lang="en-GB" dirty="0"/>
               <a:t>Stories</a:t>
             </a:r>
-            <a:endParaRPr lang="en-GB" dirty="0"/>
           </a:p>
         </p:txBody>
       </p:sp>
@@ -9457,10 +10006,9 @@
           <a:p>
             <a:pPr algn="ctr"/>
             <a:r>
-              <a:rPr lang="en-GB" dirty="0" smtClean="0"/>
+              <a:rPr lang="en-GB" dirty="0"/>
               <a:t>Reviews</a:t>
             </a:r>
-            <a:endParaRPr lang="en-GB" dirty="0"/>
           </a:p>
         </p:txBody>
       </p:sp>
@@ -9501,10 +10049,9 @@
           <a:p>
             <a:pPr algn="ctr"/>
             <a:r>
-              <a:rPr lang="en-GB" dirty="0" smtClean="0"/>
+              <a:rPr lang="en-GB" dirty="0"/>
               <a:t>About Us</a:t>
             </a:r>
-            <a:endParaRPr lang="en-GB" dirty="0"/>
           </a:p>
         </p:txBody>
       </p:sp>
@@ -9545,17 +10092,16 @@
           <a:p>
             <a:pPr algn="ctr"/>
             <a:r>
-              <a:rPr lang="en-GB" dirty="0" smtClean="0"/>
+              <a:rPr lang="en-GB" dirty="0"/>
               <a:t>Actors</a:t>
             </a:r>
           </a:p>
           <a:p>
             <a:pPr algn="ctr"/>
             <a:r>
-              <a:rPr lang="en-GB" dirty="0" smtClean="0"/>
+              <a:rPr lang="en-GB" dirty="0"/>
               <a:t>(Image)</a:t>
             </a:r>
-            <a:endParaRPr lang="en-GB" dirty="0"/>
           </a:p>
         </p:txBody>
       </p:sp>
@@ -9596,10 +10142,9 @@
           <a:p>
             <a:pPr algn="ctr"/>
             <a:r>
-              <a:rPr lang="en-GB" dirty="0" smtClean="0"/>
+              <a:rPr lang="en-GB" dirty="0"/>
               <a:t>Actors Name</a:t>
             </a:r>
-            <a:endParaRPr lang="en-GB" dirty="0"/>
           </a:p>
         </p:txBody>
       </p:sp>
@@ -9640,10 +10185,9 @@
           <a:p>
             <a:pPr algn="ctr"/>
             <a:r>
-              <a:rPr lang="en-GB" dirty="0" smtClean="0"/>
+              <a:rPr lang="en-GB" dirty="0"/>
               <a:t>Best Movie</a:t>
             </a:r>
-            <a:endParaRPr lang="en-GB" dirty="0"/>
           </a:p>
         </p:txBody>
       </p:sp>
@@ -9684,10 +10228,9 @@
           <a:p>
             <a:pPr algn="ctr"/>
             <a:r>
-              <a:rPr lang="en-GB" dirty="0" smtClean="0"/>
+              <a:rPr lang="en-GB" dirty="0"/>
               <a:t>Worst Movie</a:t>
             </a:r>
-            <a:endParaRPr lang="en-GB" dirty="0"/>
           </a:p>
         </p:txBody>
       </p:sp>
@@ -9728,10 +10271,9 @@
           <a:p>
             <a:pPr algn="ctr"/>
             <a:r>
-              <a:rPr lang="en-GB" dirty="0" smtClean="0"/>
+              <a:rPr lang="en-GB" dirty="0"/>
               <a:t>Date of Birth</a:t>
             </a:r>
-            <a:endParaRPr lang="en-GB" dirty="0"/>
           </a:p>
         </p:txBody>
       </p:sp>
@@ -9772,10 +10314,9 @@
           <a:p>
             <a:pPr algn="ctr"/>
             <a:r>
-              <a:rPr lang="en-GB" dirty="0" smtClean="0"/>
+              <a:rPr lang="en-GB" dirty="0"/>
               <a:t>Actors info</a:t>
             </a:r>
-            <a:endParaRPr lang="en-GB" dirty="0"/>
           </a:p>
         </p:txBody>
       </p:sp>
@@ -9851,17 +10392,16 @@
           <a:p>
             <a:pPr algn="ctr"/>
             <a:r>
-              <a:rPr lang="en-GB" dirty="0" smtClean="0"/>
+              <a:rPr lang="en-GB" dirty="0"/>
               <a:t>Comment</a:t>
             </a:r>
           </a:p>
           <a:p>
             <a:pPr algn="ctr"/>
             <a:r>
-              <a:rPr lang="en-GB" dirty="0" smtClean="0"/>
+              <a:rPr lang="en-GB" dirty="0"/>
               <a:t>(textbox)</a:t>
             </a:r>
-            <a:endParaRPr lang="en-GB" dirty="0"/>
           </a:p>
         </p:txBody>
       </p:sp>
@@ -9902,10 +10442,9 @@
           <a:p>
             <a:pPr algn="ctr"/>
             <a:r>
-              <a:rPr lang="en-GB" dirty="0" smtClean="0"/>
+              <a:rPr lang="en-GB" dirty="0"/>
               <a:t>Write Your Comment</a:t>
             </a:r>
-            <a:endParaRPr lang="en-GB" dirty="0"/>
           </a:p>
         </p:txBody>
       </p:sp>
@@ -9946,10 +10485,9 @@
           <a:p>
             <a:pPr algn="ctr"/>
             <a:r>
-              <a:rPr lang="en-GB" dirty="0" smtClean="0"/>
+              <a:rPr lang="en-GB" dirty="0"/>
               <a:t>Ok</a:t>
             </a:r>
-            <a:endParaRPr lang="en-GB" dirty="0"/>
           </a:p>
         </p:txBody>
       </p:sp>
@@ -9990,10 +10528,9 @@
           <a:p>
             <a:pPr algn="ctr"/>
             <a:r>
-              <a:rPr lang="en-GB" dirty="0" smtClean="0"/>
+              <a:rPr lang="en-GB" dirty="0"/>
               <a:t>Read more</a:t>
             </a:r>
-            <a:endParaRPr lang="en-GB" dirty="0"/>
           </a:p>
         </p:txBody>
       </p:sp>
@@ -10060,10 +10597,9 @@
           <a:p>
             <a:pPr algn="ctr"/>
             <a:r>
-              <a:rPr lang="en-GB" sz="1400" dirty="0" smtClean="0"/>
+              <a:rPr lang="en-GB" sz="1400" dirty="0"/>
               <a:t>Also See</a:t>
             </a:r>
-            <a:endParaRPr lang="en-GB" sz="1400" dirty="0"/>
           </a:p>
         </p:txBody>
       </p:sp>
@@ -10107,10 +10643,9 @@
           <a:p>
             <a:pPr algn="ctr"/>
             <a:r>
-              <a:rPr lang="en-GB" dirty="0" smtClean="0"/>
+              <a:rPr lang="en-GB" dirty="0"/>
               <a:t>User’s Comments</a:t>
             </a:r>
-            <a:endParaRPr lang="en-GB" dirty="0"/>
           </a:p>
         </p:txBody>
       </p:sp>
@@ -10124,13 +10659,6 @@
   <p:clrMapOvr>
     <a:masterClrMapping/>
   </p:clrMapOvr>
-  <p:timing>
-    <p:tnLst>
-      <p:par>
-        <p:cTn id="1" dur="indefinite" restart="never" nodeType="tmRoot"/>
-      </p:par>
-    </p:tnLst>
-  </p:timing>
 </p:sld>
 </file>
 
@@ -10173,10 +10701,9 @@
           <a:p>
             <a:pPr algn="ctr"/>
             <a:r>
-              <a:rPr lang="en-GB" dirty="0" smtClean="0"/>
+              <a:rPr lang="en-GB" dirty="0"/>
               <a:t>Actors Page - Continuation</a:t>
             </a:r>
-            <a:endParaRPr lang="en-GB" dirty="0"/>
           </a:p>
         </p:txBody>
       </p:sp>
@@ -10312,7 +10839,7 @@
           <a:p>
             <a:pPr algn="ctr"/>
             <a:r>
-              <a:rPr lang="en-GB" dirty="0" smtClean="0"/>
+              <a:rPr lang="en-GB" dirty="0"/>
               <a:t>More Films by the Actors (Name)</a:t>
             </a:r>
           </a:p>
@@ -10393,10 +10920,9 @@
           <a:p>
             <a:pPr algn="ctr"/>
             <a:r>
-              <a:rPr lang="en-GB" dirty="0" smtClean="0"/>
+              <a:rPr lang="en-GB" dirty="0"/>
               <a:t>User’s Comments</a:t>
             </a:r>
-            <a:endParaRPr lang="en-GB" dirty="0"/>
           </a:p>
         </p:txBody>
       </p:sp>
@@ -10437,10 +10963,9 @@
           <a:p>
             <a:pPr algn="ctr"/>
             <a:r>
-              <a:rPr lang="en-GB" dirty="0" smtClean="0"/>
+              <a:rPr lang="en-GB" dirty="0"/>
               <a:t>Reply</a:t>
             </a:r>
-            <a:endParaRPr lang="en-GB" dirty="0"/>
           </a:p>
         </p:txBody>
       </p:sp>
@@ -10481,10 +11006,9 @@
           <a:p>
             <a:pPr algn="ctr"/>
             <a:r>
-              <a:rPr lang="en-GB" dirty="0" smtClean="0"/>
+              <a:rPr lang="en-GB" dirty="0"/>
               <a:t>Reply</a:t>
             </a:r>
-            <a:endParaRPr lang="en-GB" dirty="0"/>
           </a:p>
         </p:txBody>
       </p:sp>
@@ -10528,10 +11052,9 @@
           <a:p>
             <a:pPr algn="ctr"/>
             <a:r>
-              <a:rPr lang="en-GB" dirty="0" smtClean="0"/>
+              <a:rPr lang="en-GB" dirty="0"/>
               <a:t>User’s Comments</a:t>
             </a:r>
-            <a:endParaRPr lang="en-GB" dirty="0"/>
           </a:p>
         </p:txBody>
       </p:sp>
@@ -10575,10 +11098,9 @@
           <a:p>
             <a:pPr algn="ctr"/>
             <a:r>
-              <a:rPr lang="en-GB" dirty="0" smtClean="0"/>
+              <a:rPr lang="en-GB" dirty="0"/>
               <a:t>User’s Comments</a:t>
             </a:r>
-            <a:endParaRPr lang="en-GB" dirty="0"/>
           </a:p>
         </p:txBody>
       </p:sp>
@@ -10619,10 +11141,9 @@
           <a:p>
             <a:pPr algn="ctr"/>
             <a:r>
-              <a:rPr lang="en-GB" dirty="0" smtClean="0"/>
+              <a:rPr lang="en-GB" dirty="0"/>
               <a:t>Reply</a:t>
             </a:r>
-            <a:endParaRPr lang="en-GB" dirty="0"/>
           </a:p>
         </p:txBody>
       </p:sp>
@@ -10663,10 +11184,9 @@
           <a:p>
             <a:pPr algn="ctr"/>
             <a:r>
-              <a:rPr lang="en-GB" dirty="0" smtClean="0"/>
+              <a:rPr lang="en-GB" dirty="0"/>
               <a:t>Reply</a:t>
             </a:r>
-            <a:endParaRPr lang="en-GB" dirty="0"/>
           </a:p>
         </p:txBody>
       </p:sp>
@@ -10707,17 +11227,16 @@
           <a:p>
             <a:pPr algn="ctr"/>
             <a:r>
-              <a:rPr lang="en-GB" dirty="0" smtClean="0"/>
+              <a:rPr lang="en-GB" dirty="0"/>
               <a:t>Movies</a:t>
             </a:r>
           </a:p>
           <a:p>
             <a:pPr algn="ctr"/>
             <a:r>
-              <a:rPr lang="en-GB" dirty="0" smtClean="0"/>
+              <a:rPr lang="en-GB" dirty="0"/>
               <a:t>(image)</a:t>
             </a:r>
-            <a:endParaRPr lang="en-GB" dirty="0"/>
           </a:p>
         </p:txBody>
       </p:sp>
@@ -10758,7 +11277,7 @@
           <a:p>
             <a:pPr algn="ctr"/>
             <a:r>
-              <a:rPr lang="en-GB" dirty="0" smtClean="0"/>
+              <a:rPr lang="en-GB" dirty="0"/>
               <a:t>Movie Title</a:t>
             </a:r>
           </a:p>
@@ -10801,17 +11320,16 @@
           <a:p>
             <a:pPr algn="ctr"/>
             <a:r>
-              <a:rPr lang="en-GB" dirty="0" smtClean="0"/>
+              <a:rPr lang="en-GB" dirty="0"/>
               <a:t>Movies</a:t>
             </a:r>
           </a:p>
           <a:p>
             <a:pPr algn="ctr"/>
             <a:r>
-              <a:rPr lang="en-GB" dirty="0" smtClean="0"/>
+              <a:rPr lang="en-GB" dirty="0"/>
               <a:t>(image)</a:t>
             </a:r>
-            <a:endParaRPr lang="en-GB" dirty="0"/>
           </a:p>
         </p:txBody>
       </p:sp>
@@ -10852,7 +11370,7 @@
           <a:p>
             <a:pPr algn="ctr"/>
             <a:r>
-              <a:rPr lang="en-GB" dirty="0" smtClean="0"/>
+              <a:rPr lang="en-GB" dirty="0"/>
               <a:t>Movie Title</a:t>
             </a:r>
           </a:p>
@@ -10895,17 +11413,16 @@
           <a:p>
             <a:pPr algn="ctr"/>
             <a:r>
-              <a:rPr lang="en-GB" dirty="0" smtClean="0"/>
+              <a:rPr lang="en-GB" dirty="0"/>
               <a:t>Movies</a:t>
             </a:r>
           </a:p>
           <a:p>
             <a:pPr algn="ctr"/>
             <a:r>
-              <a:rPr lang="en-GB" dirty="0" smtClean="0"/>
+              <a:rPr lang="en-GB" dirty="0"/>
               <a:t>(image)</a:t>
             </a:r>
-            <a:endParaRPr lang="en-GB" dirty="0"/>
           </a:p>
         </p:txBody>
       </p:sp>
@@ -10946,7 +11463,7 @@
           <a:p>
             <a:pPr algn="ctr"/>
             <a:r>
-              <a:rPr lang="en-GB" dirty="0" smtClean="0"/>
+              <a:rPr lang="en-GB" dirty="0"/>
               <a:t>Movie Title</a:t>
             </a:r>
           </a:p>
@@ -10993,17 +11510,16 @@
           <a:p>
             <a:pPr algn="ctr"/>
             <a:r>
-              <a:rPr lang="en-GB" dirty="0" smtClean="0"/>
+              <a:rPr lang="en-GB" dirty="0"/>
               <a:t>Movies</a:t>
             </a:r>
           </a:p>
           <a:p>
             <a:pPr algn="ctr"/>
             <a:r>
-              <a:rPr lang="en-GB" dirty="0" smtClean="0"/>
+              <a:rPr lang="en-GB" dirty="0"/>
               <a:t>(image)</a:t>
             </a:r>
-            <a:endParaRPr lang="en-GB" dirty="0"/>
           </a:p>
         </p:txBody>
       </p:sp>
@@ -11044,7 +11560,7 @@
           <a:p>
             <a:pPr algn="ctr"/>
             <a:r>
-              <a:rPr lang="en-GB" dirty="0" smtClean="0"/>
+              <a:rPr lang="en-GB" dirty="0"/>
               <a:t>Movie Title</a:t>
             </a:r>
           </a:p>
@@ -11087,17 +11603,16 @@
           <a:p>
             <a:pPr algn="ctr"/>
             <a:r>
-              <a:rPr lang="en-GB" dirty="0" smtClean="0"/>
+              <a:rPr lang="en-GB" dirty="0"/>
               <a:t>Movies</a:t>
             </a:r>
           </a:p>
           <a:p>
             <a:pPr algn="ctr"/>
             <a:r>
-              <a:rPr lang="en-GB" dirty="0" smtClean="0"/>
+              <a:rPr lang="en-GB" dirty="0"/>
               <a:t>(image)</a:t>
             </a:r>
-            <a:endParaRPr lang="en-GB" dirty="0"/>
           </a:p>
         </p:txBody>
       </p:sp>
@@ -11138,7 +11653,7 @@
           <a:p>
             <a:pPr algn="ctr"/>
             <a:r>
-              <a:rPr lang="en-GB" dirty="0" smtClean="0"/>
+              <a:rPr lang="en-GB" dirty="0"/>
               <a:t>Movie Title</a:t>
             </a:r>
           </a:p>
@@ -11181,17 +11696,16 @@
           <a:p>
             <a:pPr algn="ctr"/>
             <a:r>
-              <a:rPr lang="en-GB" dirty="0" smtClean="0"/>
+              <a:rPr lang="en-GB" dirty="0"/>
               <a:t>Movies</a:t>
             </a:r>
           </a:p>
           <a:p>
             <a:pPr algn="ctr"/>
             <a:r>
-              <a:rPr lang="en-GB" dirty="0" smtClean="0"/>
+              <a:rPr lang="en-GB" dirty="0"/>
               <a:t>(image)</a:t>
             </a:r>
-            <a:endParaRPr lang="en-GB" dirty="0"/>
           </a:p>
         </p:txBody>
       </p:sp>
@@ -11232,7 +11746,7 @@
           <a:p>
             <a:pPr algn="ctr"/>
             <a:r>
-              <a:rPr lang="en-GB" dirty="0" smtClean="0"/>
+              <a:rPr lang="en-GB" dirty="0"/>
               <a:t>Movie Title</a:t>
             </a:r>
           </a:p>
@@ -11252,13 +11766,6 @@
   <p:clrMapOvr>
     <a:masterClrMapping/>
   </p:clrMapOvr>
-  <p:timing>
-    <p:tnLst>
-      <p:par>
-        <p:cTn id="1" dur="indefinite" restart="never" nodeType="tmRoot"/>
-      </p:par>
-    </p:tnLst>
-  </p:timing>
 </p:sld>
 </file>
 
@@ -11296,10 +11803,9 @@
           <a:p>
             <a:pPr algn="ctr"/>
             <a:r>
-              <a:rPr lang="en-GB" dirty="0" smtClean="0"/>
+              <a:rPr lang="en-GB" dirty="0"/>
               <a:t>Directors Page</a:t>
             </a:r>
-            <a:endParaRPr lang="en-GB" dirty="0"/>
           </a:p>
         </p:txBody>
       </p:sp>
@@ -11491,10 +11997,9 @@
           <a:p>
             <a:pPr algn="ctr"/>
             <a:r>
-              <a:rPr lang="en-GB" dirty="0" smtClean="0"/>
+              <a:rPr lang="en-GB" dirty="0"/>
               <a:t>Actors</a:t>
             </a:r>
-            <a:endParaRPr lang="en-GB" dirty="0"/>
           </a:p>
         </p:txBody>
       </p:sp>
@@ -11580,10 +12085,9 @@
           <a:p>
             <a:pPr algn="ctr"/>
             <a:r>
-              <a:rPr lang="en-GB" dirty="0" smtClean="0"/>
+              <a:rPr lang="en-GB" dirty="0"/>
               <a:t>Actors</a:t>
             </a:r>
-            <a:endParaRPr lang="en-GB" dirty="0"/>
           </a:p>
         </p:txBody>
       </p:sp>
@@ -11624,10 +12128,9 @@
           <a:p>
             <a:pPr algn="ctr"/>
             <a:r>
-              <a:rPr lang="en-GB" dirty="0" smtClean="0"/>
+              <a:rPr lang="en-GB" dirty="0"/>
               <a:t>Directors</a:t>
             </a:r>
-            <a:endParaRPr lang="en-GB" dirty="0"/>
           </a:p>
         </p:txBody>
       </p:sp>
@@ -11668,10 +12171,9 @@
           <a:p>
             <a:pPr algn="ctr"/>
             <a:r>
-              <a:rPr lang="en-GB" dirty="0" smtClean="0"/>
+              <a:rPr lang="en-GB" dirty="0"/>
               <a:t>Movies</a:t>
             </a:r>
-            <a:endParaRPr lang="en-GB" dirty="0"/>
           </a:p>
         </p:txBody>
       </p:sp>
@@ -11712,10 +12214,9 @@
           <a:p>
             <a:pPr algn="ctr"/>
             <a:r>
-              <a:rPr lang="en-GB" dirty="0" smtClean="0"/>
+              <a:rPr lang="en-GB" dirty="0"/>
               <a:t>Stories</a:t>
             </a:r>
-            <a:endParaRPr lang="en-GB" dirty="0"/>
           </a:p>
         </p:txBody>
       </p:sp>
@@ -11756,10 +12257,9 @@
           <a:p>
             <a:pPr algn="ctr"/>
             <a:r>
-              <a:rPr lang="en-GB" dirty="0" smtClean="0"/>
+              <a:rPr lang="en-GB" dirty="0"/>
               <a:t>Reviews</a:t>
             </a:r>
-            <a:endParaRPr lang="en-GB" dirty="0"/>
           </a:p>
         </p:txBody>
       </p:sp>
@@ -11800,10 +12300,9 @@
           <a:p>
             <a:pPr algn="ctr"/>
             <a:r>
-              <a:rPr lang="en-GB" dirty="0" smtClean="0"/>
+              <a:rPr lang="en-GB" dirty="0"/>
               <a:t>About Us</a:t>
             </a:r>
-            <a:endParaRPr lang="en-GB" dirty="0"/>
           </a:p>
         </p:txBody>
       </p:sp>
@@ -11844,17 +12343,16 @@
           <a:p>
             <a:pPr algn="ctr"/>
             <a:r>
-              <a:rPr lang="en-GB" dirty="0" smtClean="0"/>
+              <a:rPr lang="en-GB" dirty="0"/>
               <a:t>Actors</a:t>
             </a:r>
           </a:p>
           <a:p>
             <a:pPr algn="ctr"/>
             <a:r>
-              <a:rPr lang="en-GB" dirty="0" smtClean="0"/>
+              <a:rPr lang="en-GB" dirty="0"/>
               <a:t>(Image)</a:t>
             </a:r>
-            <a:endParaRPr lang="en-GB" dirty="0"/>
           </a:p>
         </p:txBody>
       </p:sp>
@@ -11896,13 +12394,8 @@
             <a:pPr algn="ctr"/>
             <a:r>
               <a:rPr lang="en-GB" dirty="0"/>
-              <a:t>D</a:t>
-            </a:r>
-            <a:r>
-              <a:rPr lang="en-GB" dirty="0" smtClean="0"/>
-              <a:t>irector’s Name</a:t>
-            </a:r>
-            <a:endParaRPr lang="en-GB" dirty="0"/>
+              <a:t>Director’s Name</a:t>
+            </a:r>
           </a:p>
         </p:txBody>
       </p:sp>
@@ -11943,10 +12436,9 @@
           <a:p>
             <a:pPr algn="ctr"/>
             <a:r>
-              <a:rPr lang="en-GB" dirty="0" smtClean="0"/>
+              <a:rPr lang="en-GB" dirty="0"/>
               <a:t>Best Rated Movie</a:t>
             </a:r>
-            <a:endParaRPr lang="en-GB" dirty="0"/>
           </a:p>
         </p:txBody>
       </p:sp>
@@ -11987,10 +12479,9 @@
           <a:p>
             <a:pPr algn="ctr"/>
             <a:r>
-              <a:rPr lang="en-GB" dirty="0" smtClean="0"/>
+              <a:rPr lang="en-GB" dirty="0"/>
               <a:t>Lowest Rated Movie</a:t>
             </a:r>
-            <a:endParaRPr lang="en-GB" dirty="0"/>
           </a:p>
         </p:txBody>
       </p:sp>
@@ -12031,10 +12522,9 @@
           <a:p>
             <a:pPr algn="ctr"/>
             <a:r>
-              <a:rPr lang="en-GB" dirty="0" smtClean="0"/>
+              <a:rPr lang="en-GB" dirty="0"/>
               <a:t>Date of Birth</a:t>
             </a:r>
-            <a:endParaRPr lang="en-GB" dirty="0"/>
           </a:p>
         </p:txBody>
       </p:sp>
@@ -12075,10 +12565,9 @@
           <a:p>
             <a:pPr algn="ctr"/>
             <a:r>
-              <a:rPr lang="en-GB" dirty="0" smtClean="0"/>
+              <a:rPr lang="en-GB" dirty="0"/>
               <a:t>Director’s info</a:t>
             </a:r>
-            <a:endParaRPr lang="en-GB" dirty="0"/>
           </a:p>
         </p:txBody>
       </p:sp>
@@ -12154,17 +12643,16 @@
           <a:p>
             <a:pPr algn="ctr"/>
             <a:r>
-              <a:rPr lang="en-GB" dirty="0" smtClean="0"/>
+              <a:rPr lang="en-GB" dirty="0"/>
               <a:t>Comment</a:t>
             </a:r>
           </a:p>
           <a:p>
             <a:pPr algn="ctr"/>
             <a:r>
-              <a:rPr lang="en-GB" dirty="0" smtClean="0"/>
+              <a:rPr lang="en-GB" dirty="0"/>
               <a:t>(textbox)</a:t>
             </a:r>
-            <a:endParaRPr lang="en-GB" dirty="0"/>
           </a:p>
         </p:txBody>
       </p:sp>
@@ -12205,10 +12693,9 @@
           <a:p>
             <a:pPr algn="ctr"/>
             <a:r>
-              <a:rPr lang="en-GB" dirty="0" smtClean="0"/>
+              <a:rPr lang="en-GB" dirty="0"/>
               <a:t>Write Your Comment</a:t>
             </a:r>
-            <a:endParaRPr lang="en-GB" dirty="0"/>
           </a:p>
         </p:txBody>
       </p:sp>
@@ -12249,10 +12736,9 @@
           <a:p>
             <a:pPr algn="ctr"/>
             <a:r>
-              <a:rPr lang="en-GB" dirty="0" smtClean="0"/>
+              <a:rPr lang="en-GB" dirty="0"/>
               <a:t>Ok</a:t>
             </a:r>
-            <a:endParaRPr lang="en-GB" dirty="0"/>
           </a:p>
         </p:txBody>
       </p:sp>
@@ -12293,10 +12779,9 @@
           <a:p>
             <a:pPr algn="ctr"/>
             <a:r>
-              <a:rPr lang="en-GB" dirty="0" smtClean="0"/>
+              <a:rPr lang="en-GB" dirty="0"/>
               <a:t>Read more</a:t>
             </a:r>
-            <a:endParaRPr lang="en-GB" dirty="0"/>
           </a:p>
         </p:txBody>
       </p:sp>
@@ -12363,10 +12848,9 @@
           <a:p>
             <a:pPr algn="ctr"/>
             <a:r>
-              <a:rPr lang="en-GB" sz="1400" dirty="0" smtClean="0"/>
+              <a:rPr lang="en-GB" sz="1400" dirty="0"/>
               <a:t>Also See</a:t>
             </a:r>
-            <a:endParaRPr lang="en-GB" sz="1400" dirty="0"/>
           </a:p>
         </p:txBody>
       </p:sp>
@@ -12410,10 +12894,9 @@
           <a:p>
             <a:pPr algn="ctr"/>
             <a:r>
-              <a:rPr lang="en-GB" dirty="0" smtClean="0"/>
+              <a:rPr lang="en-GB" dirty="0"/>
               <a:t>User’s Comments</a:t>
             </a:r>
-            <a:endParaRPr lang="en-GB" dirty="0"/>
           </a:p>
         </p:txBody>
       </p:sp>
@@ -12427,13 +12910,6 @@
   <p:clrMapOvr>
     <a:masterClrMapping/>
   </p:clrMapOvr>
-  <p:timing>
-    <p:tnLst>
-      <p:par>
-        <p:cTn id="1" dur="indefinite" restart="never" nodeType="tmRoot"/>
-      </p:par>
-    </p:tnLst>
-  </p:timing>
 </p:sld>
 </file>
 
@@ -12471,12 +12947,8 @@
           <a:p>
             <a:pPr algn="ctr"/>
             <a:r>
-              <a:rPr lang="en-GB" dirty="0" smtClean="0"/>
-              <a:t>Directors Page - </a:t>
-            </a:r>
-            <a:r>
-              <a:rPr lang="en-GB" dirty="0"/>
-              <a:t>Continuation</a:t>
+              <a:rPr lang="en-GB" dirty="0"/>
+              <a:t>Directors Page - Continuation</a:t>
             </a:r>
           </a:p>
         </p:txBody>
@@ -12613,7 +13085,7 @@
           <a:p>
             <a:pPr algn="ctr"/>
             <a:r>
-              <a:rPr lang="en-GB" dirty="0" smtClean="0"/>
+              <a:rPr lang="en-GB" dirty="0"/>
               <a:t>Films created by the Directors (Name)</a:t>
             </a:r>
           </a:p>
@@ -12694,10 +13166,9 @@
           <a:p>
             <a:pPr algn="ctr"/>
             <a:r>
-              <a:rPr lang="en-GB" dirty="0" smtClean="0"/>
+              <a:rPr lang="en-GB" dirty="0"/>
               <a:t>User’s Comments</a:t>
             </a:r>
-            <a:endParaRPr lang="en-GB" dirty="0"/>
           </a:p>
         </p:txBody>
       </p:sp>
@@ -12738,10 +13209,9 @@
           <a:p>
             <a:pPr algn="ctr"/>
             <a:r>
-              <a:rPr lang="en-GB" dirty="0" smtClean="0"/>
+              <a:rPr lang="en-GB" dirty="0"/>
               <a:t>Reply</a:t>
             </a:r>
-            <a:endParaRPr lang="en-GB" dirty="0"/>
           </a:p>
         </p:txBody>
       </p:sp>
@@ -12782,10 +13252,9 @@
           <a:p>
             <a:pPr algn="ctr"/>
             <a:r>
-              <a:rPr lang="en-GB" dirty="0" smtClean="0"/>
+              <a:rPr lang="en-GB" dirty="0"/>
               <a:t>Reply</a:t>
             </a:r>
-            <a:endParaRPr lang="en-GB" dirty="0"/>
           </a:p>
         </p:txBody>
       </p:sp>
@@ -12829,10 +13298,9 @@
           <a:p>
             <a:pPr algn="ctr"/>
             <a:r>
-              <a:rPr lang="en-GB" dirty="0" smtClean="0"/>
+              <a:rPr lang="en-GB" dirty="0"/>
               <a:t>User’s Comments</a:t>
             </a:r>
-            <a:endParaRPr lang="en-GB" dirty="0"/>
           </a:p>
         </p:txBody>
       </p:sp>
@@ -12876,10 +13344,9 @@
           <a:p>
             <a:pPr algn="ctr"/>
             <a:r>
-              <a:rPr lang="en-GB" dirty="0" smtClean="0"/>
+              <a:rPr lang="en-GB" dirty="0"/>
               <a:t>User’s Comments</a:t>
             </a:r>
-            <a:endParaRPr lang="en-GB" dirty="0"/>
           </a:p>
         </p:txBody>
       </p:sp>
@@ -12920,10 +13387,9 @@
           <a:p>
             <a:pPr algn="ctr"/>
             <a:r>
-              <a:rPr lang="en-GB" dirty="0" smtClean="0"/>
+              <a:rPr lang="en-GB" dirty="0"/>
               <a:t>Reply</a:t>
             </a:r>
-            <a:endParaRPr lang="en-GB" dirty="0"/>
           </a:p>
         </p:txBody>
       </p:sp>
@@ -12964,10 +13430,9 @@
           <a:p>
             <a:pPr algn="ctr"/>
             <a:r>
-              <a:rPr lang="en-GB" dirty="0" smtClean="0"/>
+              <a:rPr lang="en-GB" dirty="0"/>
               <a:t>Reply</a:t>
             </a:r>
-            <a:endParaRPr lang="en-GB" dirty="0"/>
           </a:p>
         </p:txBody>
       </p:sp>
@@ -13008,17 +13473,16 @@
           <a:p>
             <a:pPr algn="ctr"/>
             <a:r>
-              <a:rPr lang="en-GB" dirty="0" smtClean="0"/>
+              <a:rPr lang="en-GB" dirty="0"/>
               <a:t>Movies</a:t>
             </a:r>
           </a:p>
           <a:p>
             <a:pPr algn="ctr"/>
             <a:r>
-              <a:rPr lang="en-GB" dirty="0" smtClean="0"/>
+              <a:rPr lang="en-GB" dirty="0"/>
               <a:t>(image)</a:t>
             </a:r>
-            <a:endParaRPr lang="en-GB" dirty="0"/>
           </a:p>
         </p:txBody>
       </p:sp>
@@ -13059,7 +13523,7 @@
           <a:p>
             <a:pPr algn="ctr"/>
             <a:r>
-              <a:rPr lang="en-GB" dirty="0" smtClean="0"/>
+              <a:rPr lang="en-GB" dirty="0"/>
               <a:t>Movie Title</a:t>
             </a:r>
           </a:p>
@@ -13102,17 +13566,16 @@
           <a:p>
             <a:pPr algn="ctr"/>
             <a:r>
-              <a:rPr lang="en-GB" dirty="0" smtClean="0"/>
+              <a:rPr lang="en-GB" dirty="0"/>
               <a:t>Movies</a:t>
             </a:r>
           </a:p>
           <a:p>
             <a:pPr algn="ctr"/>
             <a:r>
-              <a:rPr lang="en-GB" dirty="0" smtClean="0"/>
+              <a:rPr lang="en-GB" dirty="0"/>
               <a:t>(image)</a:t>
             </a:r>
-            <a:endParaRPr lang="en-GB" dirty="0"/>
           </a:p>
         </p:txBody>
       </p:sp>
@@ -13153,7 +13616,7 @@
           <a:p>
             <a:pPr algn="ctr"/>
             <a:r>
-              <a:rPr lang="en-GB" dirty="0" smtClean="0"/>
+              <a:rPr lang="en-GB" dirty="0"/>
               <a:t>Movie Title</a:t>
             </a:r>
           </a:p>
@@ -13196,17 +13659,16 @@
           <a:p>
             <a:pPr algn="ctr"/>
             <a:r>
-              <a:rPr lang="en-GB" dirty="0" smtClean="0"/>
+              <a:rPr lang="en-GB" dirty="0"/>
               <a:t>Movies</a:t>
             </a:r>
           </a:p>
           <a:p>
             <a:pPr algn="ctr"/>
             <a:r>
-              <a:rPr lang="en-GB" dirty="0" smtClean="0"/>
+              <a:rPr lang="en-GB" dirty="0"/>
               <a:t>(image)</a:t>
             </a:r>
-            <a:endParaRPr lang="en-GB" dirty="0"/>
           </a:p>
         </p:txBody>
       </p:sp>
@@ -13247,7 +13709,7 @@
           <a:p>
             <a:pPr algn="ctr"/>
             <a:r>
-              <a:rPr lang="en-GB" dirty="0" smtClean="0"/>
+              <a:rPr lang="en-GB" dirty="0"/>
               <a:t>Movie Title</a:t>
             </a:r>
           </a:p>
@@ -13294,17 +13756,16 @@
           <a:p>
             <a:pPr algn="ctr"/>
             <a:r>
-              <a:rPr lang="en-GB" dirty="0" smtClean="0"/>
+              <a:rPr lang="en-GB" dirty="0"/>
               <a:t>Movies</a:t>
             </a:r>
           </a:p>
           <a:p>
             <a:pPr algn="ctr"/>
             <a:r>
-              <a:rPr lang="en-GB" dirty="0" smtClean="0"/>
+              <a:rPr lang="en-GB" dirty="0"/>
               <a:t>(image)</a:t>
             </a:r>
-            <a:endParaRPr lang="en-GB" dirty="0"/>
           </a:p>
         </p:txBody>
       </p:sp>
@@ -13345,7 +13806,7 @@
           <a:p>
             <a:pPr algn="ctr"/>
             <a:r>
-              <a:rPr lang="en-GB" dirty="0" smtClean="0"/>
+              <a:rPr lang="en-GB" dirty="0"/>
               <a:t>Movie Title</a:t>
             </a:r>
           </a:p>
@@ -13388,17 +13849,16 @@
           <a:p>
             <a:pPr algn="ctr"/>
             <a:r>
-              <a:rPr lang="en-GB" dirty="0" smtClean="0"/>
+              <a:rPr lang="en-GB" dirty="0"/>
               <a:t>Movies</a:t>
             </a:r>
           </a:p>
           <a:p>
             <a:pPr algn="ctr"/>
             <a:r>
-              <a:rPr lang="en-GB" dirty="0" smtClean="0"/>
+              <a:rPr lang="en-GB" dirty="0"/>
               <a:t>(image)</a:t>
             </a:r>
-            <a:endParaRPr lang="en-GB" dirty="0"/>
           </a:p>
         </p:txBody>
       </p:sp>
@@ -13439,7 +13899,7 @@
           <a:p>
             <a:pPr algn="ctr"/>
             <a:r>
-              <a:rPr lang="en-GB" dirty="0" smtClean="0"/>
+              <a:rPr lang="en-GB" dirty="0"/>
               <a:t>Movie Title</a:t>
             </a:r>
           </a:p>
@@ -13482,17 +13942,16 @@
           <a:p>
             <a:pPr algn="ctr"/>
             <a:r>
-              <a:rPr lang="en-GB" dirty="0" smtClean="0"/>
+              <a:rPr lang="en-GB" dirty="0"/>
               <a:t>Movies</a:t>
             </a:r>
           </a:p>
           <a:p>
             <a:pPr algn="ctr"/>
             <a:r>
-              <a:rPr lang="en-GB" dirty="0" smtClean="0"/>
+              <a:rPr lang="en-GB" dirty="0"/>
               <a:t>(image)</a:t>
             </a:r>
-            <a:endParaRPr lang="en-GB" dirty="0"/>
           </a:p>
         </p:txBody>
       </p:sp>
@@ -13533,7 +13992,7 @@
           <a:p>
             <a:pPr algn="ctr"/>
             <a:r>
-              <a:rPr lang="en-GB" dirty="0" smtClean="0"/>
+              <a:rPr lang="en-GB" dirty="0"/>
               <a:t>Movie Title</a:t>
             </a:r>
           </a:p>
@@ -13553,13 +14012,1540 @@
   <p:clrMapOvr>
     <a:masterClrMapping/>
   </p:clrMapOvr>
-  <p:timing>
-    <p:tnLst>
-      <p:par>
-        <p:cTn id="1" dur="indefinite" restart="never" nodeType="tmRoot"/>
-      </p:par>
-    </p:tnLst>
-  </p:timing>
+</p:sld>
+</file>
+
+<file path=ppt/slides/slide8.xml><?xml version="1.0" encoding="utf-8"?>
+<p:sld xmlns:a="http://schemas.openxmlformats.org/drawingml/2006/main" xmlns:r="http://schemas.openxmlformats.org/officeDocument/2006/relationships" xmlns:p="http://schemas.openxmlformats.org/presentationml/2006/main">
+  <p:cSld>
+    <p:spTree>
+      <p:nvGrpSpPr>
+        <p:cNvPr id="1" name=""/>
+        <p:cNvGrpSpPr/>
+        <p:nvPr/>
+      </p:nvGrpSpPr>
+      <p:grpSpPr>
+        <a:xfrm>
+          <a:off x="0" y="0"/>
+          <a:ext cx="0" cy="0"/>
+          <a:chOff x="0" y="0"/>
+          <a:chExt cx="0" cy="0"/>
+        </a:xfrm>
+      </p:grpSpPr>
+      <p:sp>
+        <p:nvSpPr>
+          <p:cNvPr id="2" name="Title 1"/>
+          <p:cNvSpPr>
+            <a:spLocks noGrp="1"/>
+          </p:cNvSpPr>
+          <p:nvPr>
+            <p:ph type="title"/>
+          </p:nvPr>
+        </p:nvSpPr>
+        <p:spPr/>
+        <p:txBody>
+          <a:bodyPr/>
+          <a:lstStyle/>
+          <a:p>
+            <a:pPr algn="ctr"/>
+            <a:r>
+              <a:rPr lang="en-GB" dirty="0"/>
+              <a:t>Stories Page</a:t>
+            </a:r>
+          </a:p>
+        </p:txBody>
+      </p:sp>
+      <p:sp>
+        <p:nvSpPr>
+          <p:cNvPr id="4" name="Rectangle 3"/>
+          <p:cNvSpPr/>
+          <p:nvPr/>
+        </p:nvSpPr>
+        <p:spPr>
+          <a:xfrm>
+            <a:off x="282633" y="1421476"/>
+            <a:ext cx="11621192" cy="5220393"/>
+          </a:xfrm>
+          <a:prstGeom prst="rect">
+            <a:avLst/>
+          </a:prstGeom>
+          <a:solidFill>
+            <a:schemeClr val="tx1">
+              <a:lumMod val="65000"/>
+            </a:schemeClr>
+          </a:solidFill>
+          <a:ln>
+            <a:solidFill>
+              <a:schemeClr val="tx1"/>
+            </a:solidFill>
+          </a:ln>
+        </p:spPr>
+        <p:style>
+          <a:lnRef idx="2">
+            <a:schemeClr val="accent1">
+              <a:shade val="50000"/>
+            </a:schemeClr>
+          </a:lnRef>
+          <a:fillRef idx="1">
+            <a:schemeClr val="accent1"/>
+          </a:fillRef>
+          <a:effectRef idx="0">
+            <a:schemeClr val="accent1"/>
+          </a:effectRef>
+          <a:fontRef idx="minor">
+            <a:schemeClr val="lt1"/>
+          </a:fontRef>
+        </p:style>
+        <p:txBody>
+          <a:bodyPr rtlCol="0" anchor="ctr"/>
+          <a:lstStyle/>
+          <a:p>
+            <a:pPr algn="ctr"/>
+            <a:endParaRPr lang="en-GB"/>
+          </a:p>
+        </p:txBody>
+      </p:sp>
+      <p:sp>
+        <p:nvSpPr>
+          <p:cNvPr id="5" name="Rectangle 4"/>
+          <p:cNvSpPr/>
+          <p:nvPr/>
+        </p:nvSpPr>
+        <p:spPr>
+          <a:xfrm>
+            <a:off x="340822" y="1479665"/>
+            <a:ext cx="11488189" cy="1205346"/>
+          </a:xfrm>
+          <a:prstGeom prst="rect">
+            <a:avLst/>
+          </a:prstGeom>
+          <a:solidFill>
+            <a:schemeClr val="tx1">
+              <a:lumMod val="85000"/>
+            </a:schemeClr>
+          </a:solidFill>
+        </p:spPr>
+        <p:style>
+          <a:lnRef idx="2">
+            <a:schemeClr val="accent1">
+              <a:shade val="50000"/>
+            </a:schemeClr>
+          </a:lnRef>
+          <a:fillRef idx="1">
+            <a:schemeClr val="accent1"/>
+          </a:fillRef>
+          <a:effectRef idx="0">
+            <a:schemeClr val="accent1"/>
+          </a:effectRef>
+          <a:fontRef idx="minor">
+            <a:schemeClr val="lt1"/>
+          </a:fontRef>
+        </p:style>
+        <p:txBody>
+          <a:bodyPr rtlCol="0" anchor="ctr"/>
+          <a:lstStyle/>
+          <a:p>
+            <a:pPr algn="ctr"/>
+            <a:r>
+              <a:rPr lang="en-GB" sz="4400" b="1" dirty="0">
+                <a:solidFill>
+                  <a:schemeClr val="bg1"/>
+                </a:solidFill>
+              </a:rPr>
+              <a:t>5nite Cinema</a:t>
+            </a:r>
+          </a:p>
+          <a:p>
+            <a:pPr algn="ctr"/>
+            <a:endParaRPr lang="en-GB" dirty="0"/>
+          </a:p>
+        </p:txBody>
+      </p:sp>
+      <p:sp>
+        <p:nvSpPr>
+          <p:cNvPr id="6" name="Rectangle 5"/>
+          <p:cNvSpPr/>
+          <p:nvPr/>
+        </p:nvSpPr>
+        <p:spPr>
+          <a:xfrm>
+            <a:off x="329743" y="3321582"/>
+            <a:ext cx="11448701" cy="403751"/>
+          </a:xfrm>
+          <a:prstGeom prst="rect">
+            <a:avLst/>
+          </a:prstGeom>
+          <a:solidFill>
+            <a:schemeClr val="tx1">
+              <a:lumMod val="85000"/>
+            </a:schemeClr>
+          </a:solidFill>
+        </p:spPr>
+        <p:style>
+          <a:lnRef idx="2">
+            <a:schemeClr val="accent1">
+              <a:shade val="50000"/>
+            </a:schemeClr>
+          </a:lnRef>
+          <a:fillRef idx="1">
+            <a:schemeClr val="accent1"/>
+          </a:fillRef>
+          <a:effectRef idx="0">
+            <a:schemeClr val="accent1"/>
+          </a:effectRef>
+          <a:fontRef idx="minor">
+            <a:schemeClr val="lt1"/>
+          </a:fontRef>
+        </p:style>
+        <p:txBody>
+          <a:bodyPr rtlCol="0" anchor="ctr"/>
+          <a:lstStyle/>
+          <a:p>
+            <a:pPr algn="ctr"/>
+            <a:endParaRPr lang="en-GB"/>
+          </a:p>
+        </p:txBody>
+      </p:sp>
+      <p:sp>
+        <p:nvSpPr>
+          <p:cNvPr id="7" name="Rectangle 6"/>
+          <p:cNvSpPr/>
+          <p:nvPr/>
+        </p:nvSpPr>
+        <p:spPr>
+          <a:xfrm>
+            <a:off x="399324" y="3386667"/>
+            <a:ext cx="11293143" cy="267102"/>
+          </a:xfrm>
+          <a:prstGeom prst="rect">
+            <a:avLst/>
+          </a:prstGeom>
+        </p:spPr>
+        <p:style>
+          <a:lnRef idx="2">
+            <a:schemeClr val="accent1">
+              <a:shade val="50000"/>
+            </a:schemeClr>
+          </a:lnRef>
+          <a:fillRef idx="1">
+            <a:schemeClr val="accent1"/>
+          </a:fillRef>
+          <a:effectRef idx="0">
+            <a:schemeClr val="accent1"/>
+          </a:effectRef>
+          <a:fontRef idx="minor">
+            <a:schemeClr val="lt1"/>
+          </a:fontRef>
+        </p:style>
+        <p:txBody>
+          <a:bodyPr rtlCol="0" anchor="ctr"/>
+          <a:lstStyle/>
+          <a:p>
+            <a:pPr algn="ctr"/>
+            <a:r>
+              <a:rPr lang="en-GB" dirty="0"/>
+              <a:t>Films News</a:t>
+            </a:r>
+          </a:p>
+        </p:txBody>
+      </p:sp>
+      <p:sp>
+        <p:nvSpPr>
+          <p:cNvPr id="8" name="Rectangle 7"/>
+          <p:cNvSpPr/>
+          <p:nvPr/>
+        </p:nvSpPr>
+        <p:spPr>
+          <a:xfrm>
+            <a:off x="329743" y="2766711"/>
+            <a:ext cx="11499268" cy="437926"/>
+          </a:xfrm>
+          <a:prstGeom prst="rect">
+            <a:avLst/>
+          </a:prstGeom>
+          <a:solidFill>
+            <a:schemeClr val="tx1">
+              <a:lumMod val="85000"/>
+            </a:schemeClr>
+          </a:solidFill>
+        </p:spPr>
+        <p:style>
+          <a:lnRef idx="2">
+            <a:schemeClr val="accent1">
+              <a:shade val="50000"/>
+            </a:schemeClr>
+          </a:lnRef>
+          <a:fillRef idx="1">
+            <a:schemeClr val="accent1"/>
+          </a:fillRef>
+          <a:effectRef idx="0">
+            <a:schemeClr val="accent1"/>
+          </a:effectRef>
+          <a:fontRef idx="minor">
+            <a:schemeClr val="lt1"/>
+          </a:fontRef>
+        </p:style>
+        <p:txBody>
+          <a:bodyPr rtlCol="0" anchor="ctr"/>
+          <a:lstStyle/>
+          <a:p>
+            <a:pPr algn="ctr"/>
+            <a:endParaRPr lang="en-GB"/>
+          </a:p>
+        </p:txBody>
+      </p:sp>
+      <p:sp>
+        <p:nvSpPr>
+          <p:cNvPr id="9" name="Rectangle 8"/>
+          <p:cNvSpPr/>
+          <p:nvPr/>
+        </p:nvSpPr>
+        <p:spPr>
+          <a:xfrm>
+            <a:off x="2354346" y="2828683"/>
+            <a:ext cx="1633059" cy="324196"/>
+          </a:xfrm>
+          <a:prstGeom prst="rect">
+            <a:avLst/>
+          </a:prstGeom>
+        </p:spPr>
+        <p:style>
+          <a:lnRef idx="2">
+            <a:schemeClr val="accent1">
+              <a:shade val="50000"/>
+            </a:schemeClr>
+          </a:lnRef>
+          <a:fillRef idx="1">
+            <a:schemeClr val="accent1"/>
+          </a:fillRef>
+          <a:effectRef idx="0">
+            <a:schemeClr val="accent1"/>
+          </a:effectRef>
+          <a:fontRef idx="minor">
+            <a:schemeClr val="lt1"/>
+          </a:fontRef>
+        </p:style>
+        <p:txBody>
+          <a:bodyPr rtlCol="0" anchor="ctr"/>
+          <a:lstStyle/>
+          <a:p>
+            <a:pPr algn="ctr"/>
+            <a:r>
+              <a:rPr lang="en-GB" dirty="0"/>
+              <a:t>Actors</a:t>
+            </a:r>
+          </a:p>
+        </p:txBody>
+      </p:sp>
+      <p:sp>
+        <p:nvSpPr>
+          <p:cNvPr id="10" name="Rectangle 9"/>
+          <p:cNvSpPr/>
+          <p:nvPr/>
+        </p:nvSpPr>
+        <p:spPr>
+          <a:xfrm>
+            <a:off x="4361444" y="2828683"/>
+            <a:ext cx="1633059" cy="324196"/>
+          </a:xfrm>
+          <a:prstGeom prst="rect">
+            <a:avLst/>
+          </a:prstGeom>
+        </p:spPr>
+        <p:style>
+          <a:lnRef idx="2">
+            <a:schemeClr val="accent1">
+              <a:shade val="50000"/>
+            </a:schemeClr>
+          </a:lnRef>
+          <a:fillRef idx="1">
+            <a:schemeClr val="accent1"/>
+          </a:fillRef>
+          <a:effectRef idx="0">
+            <a:schemeClr val="accent1"/>
+          </a:effectRef>
+          <a:fontRef idx="minor">
+            <a:schemeClr val="lt1"/>
+          </a:fontRef>
+        </p:style>
+        <p:txBody>
+          <a:bodyPr rtlCol="0" anchor="ctr"/>
+          <a:lstStyle/>
+          <a:p>
+            <a:pPr algn="ctr"/>
+            <a:r>
+              <a:rPr lang="en-GB" dirty="0"/>
+              <a:t>Directors</a:t>
+            </a:r>
+          </a:p>
+        </p:txBody>
+      </p:sp>
+      <p:sp>
+        <p:nvSpPr>
+          <p:cNvPr id="11" name="Rectangle 10"/>
+          <p:cNvSpPr/>
+          <p:nvPr/>
+        </p:nvSpPr>
+        <p:spPr>
+          <a:xfrm>
+            <a:off x="399324" y="2822006"/>
+            <a:ext cx="1633059" cy="324196"/>
+          </a:xfrm>
+          <a:prstGeom prst="rect">
+            <a:avLst/>
+          </a:prstGeom>
+        </p:spPr>
+        <p:style>
+          <a:lnRef idx="2">
+            <a:schemeClr val="accent1">
+              <a:shade val="50000"/>
+            </a:schemeClr>
+          </a:lnRef>
+          <a:fillRef idx="1">
+            <a:schemeClr val="accent1"/>
+          </a:fillRef>
+          <a:effectRef idx="0">
+            <a:schemeClr val="accent1"/>
+          </a:effectRef>
+          <a:fontRef idx="minor">
+            <a:schemeClr val="lt1"/>
+          </a:fontRef>
+        </p:style>
+        <p:txBody>
+          <a:bodyPr rtlCol="0" anchor="ctr"/>
+          <a:lstStyle/>
+          <a:p>
+            <a:pPr algn="ctr"/>
+            <a:r>
+              <a:rPr lang="en-GB" dirty="0"/>
+              <a:t>Movies</a:t>
+            </a:r>
+          </a:p>
+        </p:txBody>
+      </p:sp>
+      <p:sp>
+        <p:nvSpPr>
+          <p:cNvPr id="12" name="Rectangle 11"/>
+          <p:cNvSpPr/>
+          <p:nvPr/>
+        </p:nvSpPr>
+        <p:spPr>
+          <a:xfrm>
+            <a:off x="6314655" y="2828683"/>
+            <a:ext cx="1633059" cy="324196"/>
+          </a:xfrm>
+          <a:prstGeom prst="rect">
+            <a:avLst/>
+          </a:prstGeom>
+        </p:spPr>
+        <p:style>
+          <a:lnRef idx="2">
+            <a:schemeClr val="accent1">
+              <a:shade val="50000"/>
+            </a:schemeClr>
+          </a:lnRef>
+          <a:fillRef idx="1">
+            <a:schemeClr val="accent1"/>
+          </a:fillRef>
+          <a:effectRef idx="0">
+            <a:schemeClr val="accent1"/>
+          </a:effectRef>
+          <a:fontRef idx="minor">
+            <a:schemeClr val="lt1"/>
+          </a:fontRef>
+        </p:style>
+        <p:txBody>
+          <a:bodyPr rtlCol="0" anchor="ctr"/>
+          <a:lstStyle/>
+          <a:p>
+            <a:pPr algn="ctr"/>
+            <a:r>
+              <a:rPr lang="en-GB" dirty="0"/>
+              <a:t>Stories</a:t>
+            </a:r>
+          </a:p>
+        </p:txBody>
+      </p:sp>
+      <p:sp>
+        <p:nvSpPr>
+          <p:cNvPr id="13" name="Rectangle 12"/>
+          <p:cNvSpPr/>
+          <p:nvPr/>
+        </p:nvSpPr>
+        <p:spPr>
+          <a:xfrm>
+            <a:off x="8254044" y="2830605"/>
+            <a:ext cx="1633059" cy="324196"/>
+          </a:xfrm>
+          <a:prstGeom prst="rect">
+            <a:avLst/>
+          </a:prstGeom>
+        </p:spPr>
+        <p:style>
+          <a:lnRef idx="2">
+            <a:schemeClr val="accent1">
+              <a:shade val="50000"/>
+            </a:schemeClr>
+          </a:lnRef>
+          <a:fillRef idx="1">
+            <a:schemeClr val="accent1"/>
+          </a:fillRef>
+          <a:effectRef idx="0">
+            <a:schemeClr val="accent1"/>
+          </a:effectRef>
+          <a:fontRef idx="minor">
+            <a:schemeClr val="lt1"/>
+          </a:fontRef>
+        </p:style>
+        <p:txBody>
+          <a:bodyPr rtlCol="0" anchor="ctr"/>
+          <a:lstStyle/>
+          <a:p>
+            <a:pPr algn="ctr"/>
+            <a:r>
+              <a:rPr lang="en-GB" dirty="0"/>
+              <a:t>Reviews</a:t>
+            </a:r>
+          </a:p>
+        </p:txBody>
+      </p:sp>
+      <p:sp>
+        <p:nvSpPr>
+          <p:cNvPr id="14" name="Rectangle 13"/>
+          <p:cNvSpPr/>
+          <p:nvPr/>
+        </p:nvSpPr>
+        <p:spPr>
+          <a:xfrm>
+            <a:off x="10145385" y="2825271"/>
+            <a:ext cx="1633059" cy="324196"/>
+          </a:xfrm>
+          <a:prstGeom prst="rect">
+            <a:avLst/>
+          </a:prstGeom>
+        </p:spPr>
+        <p:style>
+          <a:lnRef idx="2">
+            <a:schemeClr val="accent1">
+              <a:shade val="50000"/>
+            </a:schemeClr>
+          </a:lnRef>
+          <a:fillRef idx="1">
+            <a:schemeClr val="accent1"/>
+          </a:fillRef>
+          <a:effectRef idx="0">
+            <a:schemeClr val="accent1"/>
+          </a:effectRef>
+          <a:fontRef idx="minor">
+            <a:schemeClr val="lt1"/>
+          </a:fontRef>
+        </p:style>
+        <p:txBody>
+          <a:bodyPr rtlCol="0" anchor="ctr"/>
+          <a:lstStyle/>
+          <a:p>
+            <a:pPr algn="ctr"/>
+            <a:r>
+              <a:rPr lang="en-GB" dirty="0"/>
+              <a:t>About Us</a:t>
+            </a:r>
+          </a:p>
+        </p:txBody>
+      </p:sp>
+      <p:sp>
+        <p:nvSpPr>
+          <p:cNvPr id="37" name="Rectangle 36"/>
+          <p:cNvSpPr/>
+          <p:nvPr/>
+        </p:nvSpPr>
+        <p:spPr>
+          <a:xfrm>
+            <a:off x="2734733" y="3790418"/>
+            <a:ext cx="5995167" cy="1391182"/>
+          </a:xfrm>
+          <a:prstGeom prst="rect">
+            <a:avLst/>
+          </a:prstGeom>
+        </p:spPr>
+        <p:style>
+          <a:lnRef idx="2">
+            <a:schemeClr val="accent1">
+              <a:shade val="50000"/>
+            </a:schemeClr>
+          </a:lnRef>
+          <a:fillRef idx="1">
+            <a:schemeClr val="accent1"/>
+          </a:fillRef>
+          <a:effectRef idx="0">
+            <a:schemeClr val="accent1"/>
+          </a:effectRef>
+          <a:fontRef idx="minor">
+            <a:schemeClr val="lt1"/>
+          </a:fontRef>
+        </p:style>
+        <p:txBody>
+          <a:bodyPr rtlCol="0" anchor="ctr"/>
+          <a:lstStyle/>
+          <a:p>
+            <a:pPr algn="ctr"/>
+            <a:r>
+              <a:rPr lang="en-GB" dirty="0"/>
+              <a:t>Add News (textbox)</a:t>
+            </a:r>
+          </a:p>
+        </p:txBody>
+      </p:sp>
+      <p:sp>
+        <p:nvSpPr>
+          <p:cNvPr id="64" name="Rectangle 63"/>
+          <p:cNvSpPr/>
+          <p:nvPr/>
+        </p:nvSpPr>
+        <p:spPr>
+          <a:xfrm>
+            <a:off x="3250737" y="5246685"/>
+            <a:ext cx="4259196" cy="458017"/>
+          </a:xfrm>
+          <a:prstGeom prst="rect">
+            <a:avLst/>
+          </a:prstGeom>
+        </p:spPr>
+        <p:style>
+          <a:lnRef idx="2">
+            <a:schemeClr val="accent1">
+              <a:shade val="50000"/>
+            </a:schemeClr>
+          </a:lnRef>
+          <a:fillRef idx="1">
+            <a:schemeClr val="accent1"/>
+          </a:fillRef>
+          <a:effectRef idx="0">
+            <a:schemeClr val="accent1"/>
+          </a:effectRef>
+          <a:fontRef idx="minor">
+            <a:schemeClr val="lt1"/>
+          </a:fontRef>
+        </p:style>
+        <p:txBody>
+          <a:bodyPr rtlCol="0" anchor="ctr"/>
+          <a:lstStyle/>
+          <a:p>
+            <a:pPr algn="ctr"/>
+            <a:r>
+              <a:rPr lang="en-GB"/>
+              <a:t>Gossip1 </a:t>
+            </a:r>
+            <a:endParaRPr lang="en-GB" dirty="0"/>
+          </a:p>
+        </p:txBody>
+      </p:sp>
+      <p:sp>
+        <p:nvSpPr>
+          <p:cNvPr id="65" name="Rectangle 64"/>
+          <p:cNvSpPr/>
+          <p:nvPr/>
+        </p:nvSpPr>
+        <p:spPr>
+          <a:xfrm>
+            <a:off x="7567641" y="5246685"/>
+            <a:ext cx="660561" cy="458018"/>
+          </a:xfrm>
+          <a:prstGeom prst="rect">
+            <a:avLst/>
+          </a:prstGeom>
+        </p:spPr>
+        <p:style>
+          <a:lnRef idx="2">
+            <a:schemeClr val="accent1">
+              <a:shade val="50000"/>
+            </a:schemeClr>
+          </a:lnRef>
+          <a:fillRef idx="1">
+            <a:schemeClr val="accent1"/>
+          </a:fillRef>
+          <a:effectRef idx="0">
+            <a:schemeClr val="accent1"/>
+          </a:effectRef>
+          <a:fontRef idx="minor">
+            <a:schemeClr val="lt1"/>
+          </a:fontRef>
+        </p:style>
+        <p:txBody>
+          <a:bodyPr rtlCol="0" anchor="ctr"/>
+          <a:lstStyle/>
+          <a:p>
+            <a:pPr algn="ctr"/>
+            <a:r>
+              <a:rPr lang="en-GB" sz="1100" dirty="0"/>
+              <a:t>Image</a:t>
+            </a:r>
+          </a:p>
+        </p:txBody>
+      </p:sp>
+      <p:sp>
+        <p:nvSpPr>
+          <p:cNvPr id="66" name="Rectangle 65"/>
+          <p:cNvSpPr/>
+          <p:nvPr/>
+        </p:nvSpPr>
+        <p:spPr>
+          <a:xfrm>
+            <a:off x="3960539" y="5770129"/>
+            <a:ext cx="4259196" cy="461554"/>
+          </a:xfrm>
+          <a:prstGeom prst="rect">
+            <a:avLst/>
+          </a:prstGeom>
+        </p:spPr>
+        <p:style>
+          <a:lnRef idx="2">
+            <a:schemeClr val="accent1">
+              <a:shade val="50000"/>
+            </a:schemeClr>
+          </a:lnRef>
+          <a:fillRef idx="1">
+            <a:schemeClr val="accent1"/>
+          </a:fillRef>
+          <a:effectRef idx="0">
+            <a:schemeClr val="accent1"/>
+          </a:effectRef>
+          <a:fontRef idx="minor">
+            <a:schemeClr val="lt1"/>
+          </a:fontRef>
+        </p:style>
+        <p:txBody>
+          <a:bodyPr rtlCol="0" anchor="ctr"/>
+          <a:lstStyle/>
+          <a:p>
+            <a:pPr algn="ctr"/>
+            <a:r>
+              <a:rPr lang="en-GB" dirty="0"/>
+              <a:t>Gossip 2</a:t>
+            </a:r>
+          </a:p>
+        </p:txBody>
+      </p:sp>
+      <p:sp>
+        <p:nvSpPr>
+          <p:cNvPr id="67" name="Rectangle 66"/>
+          <p:cNvSpPr/>
+          <p:nvPr/>
+        </p:nvSpPr>
+        <p:spPr>
+          <a:xfrm>
+            <a:off x="3239795" y="5770540"/>
+            <a:ext cx="660561" cy="461143"/>
+          </a:xfrm>
+          <a:prstGeom prst="rect">
+            <a:avLst/>
+          </a:prstGeom>
+        </p:spPr>
+        <p:style>
+          <a:lnRef idx="2">
+            <a:schemeClr val="accent1">
+              <a:shade val="50000"/>
+            </a:schemeClr>
+          </a:lnRef>
+          <a:fillRef idx="1">
+            <a:schemeClr val="accent1"/>
+          </a:fillRef>
+          <a:effectRef idx="0">
+            <a:schemeClr val="accent1"/>
+          </a:effectRef>
+          <a:fontRef idx="minor">
+            <a:schemeClr val="lt1"/>
+          </a:fontRef>
+        </p:style>
+        <p:txBody>
+          <a:bodyPr rtlCol="0" anchor="ctr"/>
+          <a:lstStyle/>
+          <a:p>
+            <a:pPr algn="ctr"/>
+            <a:r>
+              <a:rPr lang="en-GB" sz="1100" dirty="0"/>
+              <a:t>Image</a:t>
+            </a:r>
+          </a:p>
+        </p:txBody>
+      </p:sp>
+      <p:sp>
+        <p:nvSpPr>
+          <p:cNvPr id="68" name="Rectangle 67"/>
+          <p:cNvSpPr/>
+          <p:nvPr/>
+        </p:nvSpPr>
+        <p:spPr>
+          <a:xfrm>
+            <a:off x="8821311" y="3799363"/>
+            <a:ext cx="1229523" cy="324196"/>
+          </a:xfrm>
+          <a:prstGeom prst="rect">
+            <a:avLst/>
+          </a:prstGeom>
+        </p:spPr>
+        <p:style>
+          <a:lnRef idx="2">
+            <a:schemeClr val="accent1">
+              <a:shade val="50000"/>
+            </a:schemeClr>
+          </a:lnRef>
+          <a:fillRef idx="1">
+            <a:schemeClr val="accent1"/>
+          </a:fillRef>
+          <a:effectRef idx="0">
+            <a:schemeClr val="accent1"/>
+          </a:effectRef>
+          <a:fontRef idx="minor">
+            <a:schemeClr val="lt1"/>
+          </a:fontRef>
+        </p:style>
+        <p:txBody>
+          <a:bodyPr rtlCol="0" anchor="ctr"/>
+          <a:lstStyle/>
+          <a:p>
+            <a:pPr algn="ctr"/>
+            <a:r>
+              <a:rPr lang="en-GB" sz="1100" dirty="0"/>
+              <a:t>Add (button)</a:t>
+            </a:r>
+          </a:p>
+        </p:txBody>
+      </p:sp>
+    </p:spTree>
+    <p:extLst>
+      <p:ext uri="{BB962C8B-B14F-4D97-AF65-F5344CB8AC3E}">
+        <p14:creationId xmlns:p14="http://schemas.microsoft.com/office/powerpoint/2010/main" val="416668458"/>
+      </p:ext>
+    </p:extLst>
+  </p:cSld>
+  <p:clrMapOvr>
+    <a:masterClrMapping/>
+  </p:clrMapOvr>
+</p:sld>
+</file>
+
+<file path=ppt/slides/slide9.xml><?xml version="1.0" encoding="utf-8"?>
+<p:sld xmlns:a="http://schemas.openxmlformats.org/drawingml/2006/main" xmlns:r="http://schemas.openxmlformats.org/officeDocument/2006/relationships" xmlns:p="http://schemas.openxmlformats.org/presentationml/2006/main">
+  <p:cSld>
+    <p:spTree>
+      <p:nvGrpSpPr>
+        <p:cNvPr id="1" name=""/>
+        <p:cNvGrpSpPr/>
+        <p:nvPr/>
+      </p:nvGrpSpPr>
+      <p:grpSpPr>
+        <a:xfrm>
+          <a:off x="0" y="0"/>
+          <a:ext cx="0" cy="0"/>
+          <a:chOff x="0" y="0"/>
+          <a:chExt cx="0" cy="0"/>
+        </a:xfrm>
+      </p:grpSpPr>
+      <p:sp>
+        <p:nvSpPr>
+          <p:cNvPr id="22" name="Title 1">
+            <a:extLst>
+              <a:ext uri="{FF2B5EF4-FFF2-40B4-BE49-F238E27FC236}">
+                <a16:creationId xmlns:a16="http://schemas.microsoft.com/office/drawing/2014/main" id="{B45720FE-488B-4B26-A596-0B59B2C838B3}"/>
+              </a:ext>
+            </a:extLst>
+          </p:cNvPr>
+          <p:cNvSpPr>
+            <a:spLocks noGrp="1"/>
+          </p:cNvSpPr>
+          <p:nvPr>
+            <p:ph type="title"/>
+          </p:nvPr>
+        </p:nvSpPr>
+        <p:spPr>
+          <a:xfrm>
+            <a:off x="602299" y="410659"/>
+            <a:ext cx="9448535" cy="1442589"/>
+          </a:xfrm>
+        </p:spPr>
+        <p:txBody>
+          <a:bodyPr/>
+          <a:lstStyle/>
+          <a:p>
+            <a:pPr algn="ctr"/>
+            <a:r>
+              <a:rPr lang="en-GB" dirty="0"/>
+              <a:t>Review Page</a:t>
+            </a:r>
+          </a:p>
+        </p:txBody>
+      </p:sp>
+      <p:sp>
+        <p:nvSpPr>
+          <p:cNvPr id="23" name="Rectangle 22">
+            <a:extLst>
+              <a:ext uri="{FF2B5EF4-FFF2-40B4-BE49-F238E27FC236}">
+                <a16:creationId xmlns:a16="http://schemas.microsoft.com/office/drawing/2014/main" id="{44019425-2AAA-41F3-AF1F-4BAEE2CD306F}"/>
+              </a:ext>
+            </a:extLst>
+          </p:cNvPr>
+          <p:cNvSpPr/>
+          <p:nvPr/>
+        </p:nvSpPr>
+        <p:spPr>
+          <a:xfrm>
+            <a:off x="282633" y="1421476"/>
+            <a:ext cx="11621192" cy="5220393"/>
+          </a:xfrm>
+          <a:prstGeom prst="rect">
+            <a:avLst/>
+          </a:prstGeom>
+          <a:solidFill>
+            <a:schemeClr val="tx1">
+              <a:lumMod val="65000"/>
+            </a:schemeClr>
+          </a:solidFill>
+          <a:ln>
+            <a:solidFill>
+              <a:schemeClr val="tx1"/>
+            </a:solidFill>
+          </a:ln>
+        </p:spPr>
+        <p:style>
+          <a:lnRef idx="2">
+            <a:schemeClr val="accent1">
+              <a:shade val="50000"/>
+            </a:schemeClr>
+          </a:lnRef>
+          <a:fillRef idx="1">
+            <a:schemeClr val="accent1"/>
+          </a:fillRef>
+          <a:effectRef idx="0">
+            <a:schemeClr val="accent1"/>
+          </a:effectRef>
+          <a:fontRef idx="minor">
+            <a:schemeClr val="lt1"/>
+          </a:fontRef>
+        </p:style>
+        <p:txBody>
+          <a:bodyPr rtlCol="0" anchor="ctr"/>
+          <a:lstStyle/>
+          <a:p>
+            <a:pPr algn="ctr"/>
+            <a:endParaRPr lang="en-GB"/>
+          </a:p>
+        </p:txBody>
+      </p:sp>
+      <p:sp>
+        <p:nvSpPr>
+          <p:cNvPr id="24" name="Rectangle 23">
+            <a:extLst>
+              <a:ext uri="{FF2B5EF4-FFF2-40B4-BE49-F238E27FC236}">
+                <a16:creationId xmlns:a16="http://schemas.microsoft.com/office/drawing/2014/main" id="{AC0BC7FD-F412-489D-9618-866C9F53F476}"/>
+              </a:ext>
+            </a:extLst>
+          </p:cNvPr>
+          <p:cNvSpPr/>
+          <p:nvPr/>
+        </p:nvSpPr>
+        <p:spPr>
+          <a:xfrm>
+            <a:off x="340822" y="1479665"/>
+            <a:ext cx="11488189" cy="1205346"/>
+          </a:xfrm>
+          <a:prstGeom prst="rect">
+            <a:avLst/>
+          </a:prstGeom>
+          <a:solidFill>
+            <a:schemeClr val="tx1">
+              <a:lumMod val="85000"/>
+            </a:schemeClr>
+          </a:solidFill>
+        </p:spPr>
+        <p:style>
+          <a:lnRef idx="2">
+            <a:schemeClr val="accent1">
+              <a:shade val="50000"/>
+            </a:schemeClr>
+          </a:lnRef>
+          <a:fillRef idx="1">
+            <a:schemeClr val="accent1"/>
+          </a:fillRef>
+          <a:effectRef idx="0">
+            <a:schemeClr val="accent1"/>
+          </a:effectRef>
+          <a:fontRef idx="minor">
+            <a:schemeClr val="lt1"/>
+          </a:fontRef>
+        </p:style>
+        <p:txBody>
+          <a:bodyPr rtlCol="0" anchor="ctr"/>
+          <a:lstStyle/>
+          <a:p>
+            <a:pPr algn="ctr"/>
+            <a:r>
+              <a:rPr lang="en-GB" sz="4400" b="1" dirty="0">
+                <a:solidFill>
+                  <a:schemeClr val="bg1"/>
+                </a:solidFill>
+              </a:rPr>
+              <a:t>5nite Cinema</a:t>
+            </a:r>
+          </a:p>
+          <a:p>
+            <a:pPr algn="ctr"/>
+            <a:endParaRPr lang="en-GB" dirty="0"/>
+          </a:p>
+        </p:txBody>
+      </p:sp>
+      <p:sp>
+        <p:nvSpPr>
+          <p:cNvPr id="25" name="Rectangle 24">
+            <a:extLst>
+              <a:ext uri="{FF2B5EF4-FFF2-40B4-BE49-F238E27FC236}">
+                <a16:creationId xmlns:a16="http://schemas.microsoft.com/office/drawing/2014/main" id="{E943E6B7-FA44-43C8-B78C-9A65A731F258}"/>
+              </a:ext>
+            </a:extLst>
+          </p:cNvPr>
+          <p:cNvSpPr/>
+          <p:nvPr/>
+        </p:nvSpPr>
+        <p:spPr>
+          <a:xfrm>
+            <a:off x="329743" y="3321582"/>
+            <a:ext cx="11448701" cy="403751"/>
+          </a:xfrm>
+          <a:prstGeom prst="rect">
+            <a:avLst/>
+          </a:prstGeom>
+          <a:solidFill>
+            <a:schemeClr val="tx1">
+              <a:lumMod val="85000"/>
+            </a:schemeClr>
+          </a:solidFill>
+        </p:spPr>
+        <p:style>
+          <a:lnRef idx="2">
+            <a:schemeClr val="accent1">
+              <a:shade val="50000"/>
+            </a:schemeClr>
+          </a:lnRef>
+          <a:fillRef idx="1">
+            <a:schemeClr val="accent1"/>
+          </a:fillRef>
+          <a:effectRef idx="0">
+            <a:schemeClr val="accent1"/>
+          </a:effectRef>
+          <a:fontRef idx="minor">
+            <a:schemeClr val="lt1"/>
+          </a:fontRef>
+        </p:style>
+        <p:txBody>
+          <a:bodyPr rtlCol="0" anchor="ctr"/>
+          <a:lstStyle/>
+          <a:p>
+            <a:pPr algn="ctr"/>
+            <a:endParaRPr lang="en-GB"/>
+          </a:p>
+        </p:txBody>
+      </p:sp>
+      <p:sp>
+        <p:nvSpPr>
+          <p:cNvPr id="26" name="Rectangle 25">
+            <a:extLst>
+              <a:ext uri="{FF2B5EF4-FFF2-40B4-BE49-F238E27FC236}">
+                <a16:creationId xmlns:a16="http://schemas.microsoft.com/office/drawing/2014/main" id="{641F572C-D565-421D-BAC3-7FDE985E9B93}"/>
+              </a:ext>
+            </a:extLst>
+          </p:cNvPr>
+          <p:cNvSpPr/>
+          <p:nvPr/>
+        </p:nvSpPr>
+        <p:spPr>
+          <a:xfrm>
+            <a:off x="399324" y="3386667"/>
+            <a:ext cx="11293143" cy="267102"/>
+          </a:xfrm>
+          <a:prstGeom prst="rect">
+            <a:avLst/>
+          </a:prstGeom>
+        </p:spPr>
+        <p:style>
+          <a:lnRef idx="2">
+            <a:schemeClr val="accent1">
+              <a:shade val="50000"/>
+            </a:schemeClr>
+          </a:lnRef>
+          <a:fillRef idx="1">
+            <a:schemeClr val="accent1"/>
+          </a:fillRef>
+          <a:effectRef idx="0">
+            <a:schemeClr val="accent1"/>
+          </a:effectRef>
+          <a:fontRef idx="minor">
+            <a:schemeClr val="lt1"/>
+          </a:fontRef>
+        </p:style>
+        <p:txBody>
+          <a:bodyPr rtlCol="0" anchor="ctr"/>
+          <a:lstStyle/>
+          <a:p>
+            <a:pPr algn="ctr"/>
+            <a:r>
+              <a:rPr lang="en-GB" dirty="0"/>
+              <a:t>Review</a:t>
+            </a:r>
+          </a:p>
+        </p:txBody>
+      </p:sp>
+      <p:sp>
+        <p:nvSpPr>
+          <p:cNvPr id="27" name="Rectangle 26">
+            <a:extLst>
+              <a:ext uri="{FF2B5EF4-FFF2-40B4-BE49-F238E27FC236}">
+                <a16:creationId xmlns:a16="http://schemas.microsoft.com/office/drawing/2014/main" id="{3088B34D-11AF-4D61-BB10-8391CBA493D1}"/>
+              </a:ext>
+            </a:extLst>
+          </p:cNvPr>
+          <p:cNvSpPr/>
+          <p:nvPr/>
+        </p:nvSpPr>
+        <p:spPr>
+          <a:xfrm>
+            <a:off x="329743" y="2766711"/>
+            <a:ext cx="11499268" cy="437926"/>
+          </a:xfrm>
+          <a:prstGeom prst="rect">
+            <a:avLst/>
+          </a:prstGeom>
+          <a:solidFill>
+            <a:schemeClr val="tx1">
+              <a:lumMod val="85000"/>
+            </a:schemeClr>
+          </a:solidFill>
+        </p:spPr>
+        <p:style>
+          <a:lnRef idx="2">
+            <a:schemeClr val="accent1">
+              <a:shade val="50000"/>
+            </a:schemeClr>
+          </a:lnRef>
+          <a:fillRef idx="1">
+            <a:schemeClr val="accent1"/>
+          </a:fillRef>
+          <a:effectRef idx="0">
+            <a:schemeClr val="accent1"/>
+          </a:effectRef>
+          <a:fontRef idx="minor">
+            <a:schemeClr val="lt1"/>
+          </a:fontRef>
+        </p:style>
+        <p:txBody>
+          <a:bodyPr rtlCol="0" anchor="ctr"/>
+          <a:lstStyle/>
+          <a:p>
+            <a:pPr algn="ctr"/>
+            <a:endParaRPr lang="en-GB"/>
+          </a:p>
+        </p:txBody>
+      </p:sp>
+      <p:sp>
+        <p:nvSpPr>
+          <p:cNvPr id="28" name="Rectangle 27">
+            <a:extLst>
+              <a:ext uri="{FF2B5EF4-FFF2-40B4-BE49-F238E27FC236}">
+                <a16:creationId xmlns:a16="http://schemas.microsoft.com/office/drawing/2014/main" id="{3D4AF54C-88EF-4C83-BBBC-9936B5731D97}"/>
+              </a:ext>
+            </a:extLst>
+          </p:cNvPr>
+          <p:cNvSpPr/>
+          <p:nvPr/>
+        </p:nvSpPr>
+        <p:spPr>
+          <a:xfrm>
+            <a:off x="2354346" y="2828683"/>
+            <a:ext cx="1633059" cy="324196"/>
+          </a:xfrm>
+          <a:prstGeom prst="rect">
+            <a:avLst/>
+          </a:prstGeom>
+        </p:spPr>
+        <p:style>
+          <a:lnRef idx="2">
+            <a:schemeClr val="accent1">
+              <a:shade val="50000"/>
+            </a:schemeClr>
+          </a:lnRef>
+          <a:fillRef idx="1">
+            <a:schemeClr val="accent1"/>
+          </a:fillRef>
+          <a:effectRef idx="0">
+            <a:schemeClr val="accent1"/>
+          </a:effectRef>
+          <a:fontRef idx="minor">
+            <a:schemeClr val="lt1"/>
+          </a:fontRef>
+        </p:style>
+        <p:txBody>
+          <a:bodyPr rtlCol="0" anchor="ctr"/>
+          <a:lstStyle/>
+          <a:p>
+            <a:pPr algn="ctr"/>
+            <a:r>
+              <a:rPr lang="en-GB" dirty="0"/>
+              <a:t>Actors</a:t>
+            </a:r>
+          </a:p>
+        </p:txBody>
+      </p:sp>
+      <p:sp>
+        <p:nvSpPr>
+          <p:cNvPr id="29" name="Rectangle 28">
+            <a:extLst>
+              <a:ext uri="{FF2B5EF4-FFF2-40B4-BE49-F238E27FC236}">
+                <a16:creationId xmlns:a16="http://schemas.microsoft.com/office/drawing/2014/main" id="{9121A982-9D91-48F0-ACCC-28F66F8C7C3B}"/>
+              </a:ext>
+            </a:extLst>
+          </p:cNvPr>
+          <p:cNvSpPr/>
+          <p:nvPr/>
+        </p:nvSpPr>
+        <p:spPr>
+          <a:xfrm>
+            <a:off x="4361444" y="2828683"/>
+            <a:ext cx="1633059" cy="324196"/>
+          </a:xfrm>
+          <a:prstGeom prst="rect">
+            <a:avLst/>
+          </a:prstGeom>
+        </p:spPr>
+        <p:style>
+          <a:lnRef idx="2">
+            <a:schemeClr val="accent1">
+              <a:shade val="50000"/>
+            </a:schemeClr>
+          </a:lnRef>
+          <a:fillRef idx="1">
+            <a:schemeClr val="accent1"/>
+          </a:fillRef>
+          <a:effectRef idx="0">
+            <a:schemeClr val="accent1"/>
+          </a:effectRef>
+          <a:fontRef idx="minor">
+            <a:schemeClr val="lt1"/>
+          </a:fontRef>
+        </p:style>
+        <p:txBody>
+          <a:bodyPr rtlCol="0" anchor="ctr"/>
+          <a:lstStyle/>
+          <a:p>
+            <a:pPr algn="ctr"/>
+            <a:r>
+              <a:rPr lang="en-GB" dirty="0"/>
+              <a:t>Directors</a:t>
+            </a:r>
+          </a:p>
+        </p:txBody>
+      </p:sp>
+      <p:sp>
+        <p:nvSpPr>
+          <p:cNvPr id="30" name="Rectangle 29">
+            <a:extLst>
+              <a:ext uri="{FF2B5EF4-FFF2-40B4-BE49-F238E27FC236}">
+                <a16:creationId xmlns:a16="http://schemas.microsoft.com/office/drawing/2014/main" id="{31B78AD3-3171-458B-952A-4DDBB3145179}"/>
+              </a:ext>
+            </a:extLst>
+          </p:cNvPr>
+          <p:cNvSpPr/>
+          <p:nvPr/>
+        </p:nvSpPr>
+        <p:spPr>
+          <a:xfrm>
+            <a:off x="399324" y="2822006"/>
+            <a:ext cx="1633059" cy="324196"/>
+          </a:xfrm>
+          <a:prstGeom prst="rect">
+            <a:avLst/>
+          </a:prstGeom>
+        </p:spPr>
+        <p:style>
+          <a:lnRef idx="2">
+            <a:schemeClr val="accent1">
+              <a:shade val="50000"/>
+            </a:schemeClr>
+          </a:lnRef>
+          <a:fillRef idx="1">
+            <a:schemeClr val="accent1"/>
+          </a:fillRef>
+          <a:effectRef idx="0">
+            <a:schemeClr val="accent1"/>
+          </a:effectRef>
+          <a:fontRef idx="minor">
+            <a:schemeClr val="lt1"/>
+          </a:fontRef>
+        </p:style>
+        <p:txBody>
+          <a:bodyPr rtlCol="0" anchor="ctr"/>
+          <a:lstStyle/>
+          <a:p>
+            <a:pPr algn="ctr"/>
+            <a:r>
+              <a:rPr lang="en-GB" dirty="0"/>
+              <a:t>Movies</a:t>
+            </a:r>
+          </a:p>
+        </p:txBody>
+      </p:sp>
+      <p:sp>
+        <p:nvSpPr>
+          <p:cNvPr id="31" name="Rectangle 30">
+            <a:extLst>
+              <a:ext uri="{FF2B5EF4-FFF2-40B4-BE49-F238E27FC236}">
+                <a16:creationId xmlns:a16="http://schemas.microsoft.com/office/drawing/2014/main" id="{38D408FA-76C2-46BE-809B-7FE1500CCC5E}"/>
+              </a:ext>
+            </a:extLst>
+          </p:cNvPr>
+          <p:cNvSpPr/>
+          <p:nvPr/>
+        </p:nvSpPr>
+        <p:spPr>
+          <a:xfrm>
+            <a:off x="6314655" y="2828683"/>
+            <a:ext cx="1633059" cy="324196"/>
+          </a:xfrm>
+          <a:prstGeom prst="rect">
+            <a:avLst/>
+          </a:prstGeom>
+        </p:spPr>
+        <p:style>
+          <a:lnRef idx="2">
+            <a:schemeClr val="accent1">
+              <a:shade val="50000"/>
+            </a:schemeClr>
+          </a:lnRef>
+          <a:fillRef idx="1">
+            <a:schemeClr val="accent1"/>
+          </a:fillRef>
+          <a:effectRef idx="0">
+            <a:schemeClr val="accent1"/>
+          </a:effectRef>
+          <a:fontRef idx="minor">
+            <a:schemeClr val="lt1"/>
+          </a:fontRef>
+        </p:style>
+        <p:txBody>
+          <a:bodyPr rtlCol="0" anchor="ctr"/>
+          <a:lstStyle/>
+          <a:p>
+            <a:pPr algn="ctr"/>
+            <a:r>
+              <a:rPr lang="en-GB" dirty="0"/>
+              <a:t>Stories</a:t>
+            </a:r>
+          </a:p>
+        </p:txBody>
+      </p:sp>
+      <p:sp>
+        <p:nvSpPr>
+          <p:cNvPr id="32" name="Rectangle 31">
+            <a:extLst>
+              <a:ext uri="{FF2B5EF4-FFF2-40B4-BE49-F238E27FC236}">
+                <a16:creationId xmlns:a16="http://schemas.microsoft.com/office/drawing/2014/main" id="{9C4E5038-EFFE-417B-8B45-75B1B476108B}"/>
+              </a:ext>
+            </a:extLst>
+          </p:cNvPr>
+          <p:cNvSpPr/>
+          <p:nvPr/>
+        </p:nvSpPr>
+        <p:spPr>
+          <a:xfrm>
+            <a:off x="8254044" y="2830605"/>
+            <a:ext cx="1633059" cy="324196"/>
+          </a:xfrm>
+          <a:prstGeom prst="rect">
+            <a:avLst/>
+          </a:prstGeom>
+        </p:spPr>
+        <p:style>
+          <a:lnRef idx="2">
+            <a:schemeClr val="accent1">
+              <a:shade val="50000"/>
+            </a:schemeClr>
+          </a:lnRef>
+          <a:fillRef idx="1">
+            <a:schemeClr val="accent1"/>
+          </a:fillRef>
+          <a:effectRef idx="0">
+            <a:schemeClr val="accent1"/>
+          </a:effectRef>
+          <a:fontRef idx="minor">
+            <a:schemeClr val="lt1"/>
+          </a:fontRef>
+        </p:style>
+        <p:txBody>
+          <a:bodyPr rtlCol="0" anchor="ctr"/>
+          <a:lstStyle/>
+          <a:p>
+            <a:pPr algn="ctr"/>
+            <a:r>
+              <a:rPr lang="en-GB" dirty="0"/>
+              <a:t>Reviews</a:t>
+            </a:r>
+          </a:p>
+        </p:txBody>
+      </p:sp>
+      <p:sp>
+        <p:nvSpPr>
+          <p:cNvPr id="33" name="Rectangle 32">
+            <a:extLst>
+              <a:ext uri="{FF2B5EF4-FFF2-40B4-BE49-F238E27FC236}">
+                <a16:creationId xmlns:a16="http://schemas.microsoft.com/office/drawing/2014/main" id="{9AA07C84-BF14-4DCE-A7F9-8BE729AD3B2A}"/>
+              </a:ext>
+            </a:extLst>
+          </p:cNvPr>
+          <p:cNvSpPr/>
+          <p:nvPr/>
+        </p:nvSpPr>
+        <p:spPr>
+          <a:xfrm>
+            <a:off x="10145385" y="2825271"/>
+            <a:ext cx="1633059" cy="324196"/>
+          </a:xfrm>
+          <a:prstGeom prst="rect">
+            <a:avLst/>
+          </a:prstGeom>
+        </p:spPr>
+        <p:style>
+          <a:lnRef idx="2">
+            <a:schemeClr val="accent1">
+              <a:shade val="50000"/>
+            </a:schemeClr>
+          </a:lnRef>
+          <a:fillRef idx="1">
+            <a:schemeClr val="accent1"/>
+          </a:fillRef>
+          <a:effectRef idx="0">
+            <a:schemeClr val="accent1"/>
+          </a:effectRef>
+          <a:fontRef idx="minor">
+            <a:schemeClr val="lt1"/>
+          </a:fontRef>
+        </p:style>
+        <p:txBody>
+          <a:bodyPr rtlCol="0" anchor="ctr"/>
+          <a:lstStyle/>
+          <a:p>
+            <a:pPr algn="ctr"/>
+            <a:r>
+              <a:rPr lang="en-GB" dirty="0"/>
+              <a:t>About Us</a:t>
+            </a:r>
+          </a:p>
+        </p:txBody>
+      </p:sp>
+      <p:sp>
+        <p:nvSpPr>
+          <p:cNvPr id="38" name="Rectangle 37">
+            <a:extLst>
+              <a:ext uri="{FF2B5EF4-FFF2-40B4-BE49-F238E27FC236}">
+                <a16:creationId xmlns:a16="http://schemas.microsoft.com/office/drawing/2014/main" id="{4BC49E0A-9411-47E9-A1D1-7F4E83496993}"/>
+              </a:ext>
+            </a:extLst>
+          </p:cNvPr>
+          <p:cNvSpPr/>
+          <p:nvPr/>
+        </p:nvSpPr>
+        <p:spPr>
+          <a:xfrm>
+            <a:off x="2783800" y="3921168"/>
+            <a:ext cx="1832003" cy="1257407"/>
+          </a:xfrm>
+          <a:prstGeom prst="rect">
+            <a:avLst/>
+          </a:prstGeom>
+        </p:spPr>
+        <p:style>
+          <a:lnRef idx="2">
+            <a:schemeClr val="accent1">
+              <a:shade val="50000"/>
+            </a:schemeClr>
+          </a:lnRef>
+          <a:fillRef idx="1">
+            <a:schemeClr val="accent1"/>
+          </a:fillRef>
+          <a:effectRef idx="0">
+            <a:schemeClr val="accent1"/>
+          </a:effectRef>
+          <a:fontRef idx="minor">
+            <a:schemeClr val="lt1"/>
+          </a:fontRef>
+        </p:style>
+        <p:txBody>
+          <a:bodyPr rtlCol="0" anchor="ctr"/>
+          <a:lstStyle/>
+          <a:p>
+            <a:pPr algn="ctr"/>
+            <a:r>
+              <a:rPr lang="en-GB" sz="1100" dirty="0"/>
+              <a:t>Image</a:t>
+            </a:r>
+          </a:p>
+        </p:txBody>
+      </p:sp>
+      <p:sp>
+        <p:nvSpPr>
+          <p:cNvPr id="43" name="Rectangle 42">
+            <a:extLst>
+              <a:ext uri="{FF2B5EF4-FFF2-40B4-BE49-F238E27FC236}">
+                <a16:creationId xmlns:a16="http://schemas.microsoft.com/office/drawing/2014/main" id="{4793C6C4-A7D5-474C-A656-95EA3FF0C6BE}"/>
+              </a:ext>
+            </a:extLst>
+          </p:cNvPr>
+          <p:cNvSpPr/>
+          <p:nvPr/>
+        </p:nvSpPr>
+        <p:spPr>
+          <a:xfrm>
+            <a:off x="4836352" y="3884040"/>
+            <a:ext cx="3714053" cy="2272536"/>
+          </a:xfrm>
+          <a:prstGeom prst="rect">
+            <a:avLst/>
+          </a:prstGeom>
+        </p:spPr>
+        <p:style>
+          <a:lnRef idx="2">
+            <a:schemeClr val="accent1">
+              <a:shade val="50000"/>
+            </a:schemeClr>
+          </a:lnRef>
+          <a:fillRef idx="1">
+            <a:schemeClr val="accent1"/>
+          </a:fillRef>
+          <a:effectRef idx="0">
+            <a:schemeClr val="accent1"/>
+          </a:effectRef>
+          <a:fontRef idx="minor">
+            <a:schemeClr val="lt1"/>
+          </a:fontRef>
+        </p:style>
+        <p:txBody>
+          <a:bodyPr rtlCol="0" anchor="ctr"/>
+          <a:lstStyle/>
+          <a:p>
+            <a:pPr algn="ctr"/>
+            <a:r>
+              <a:rPr lang="en-GB" sz="1100" dirty="0"/>
+              <a:t>Movie’s Info</a:t>
+            </a:r>
+          </a:p>
+        </p:txBody>
+      </p:sp>
+    </p:spTree>
+    <p:extLst>
+      <p:ext uri="{BB962C8B-B14F-4D97-AF65-F5344CB8AC3E}">
+        <p14:creationId xmlns:p14="http://schemas.microsoft.com/office/powerpoint/2010/main" val="4221139876"/>
+      </p:ext>
+    </p:extLst>
+  </p:cSld>
+  <p:clrMapOvr>
+    <a:masterClrMapping/>
+  </p:clrMapOvr>
 </p:sld>
 </file>
 
